--- a/Dna2D간단기획.pptx
+++ b/Dna2D간단기획.pptx
@@ -261,7 +261,7 @@
           <a:p>
             <a:fld id="{5190BD2E-A962-423F-9944-B7E52D31470B}" type="datetimeFigureOut">
               <a:rPr lang="ko-KR" altLang="en-US" smtClean="0"/>
-              <a:t>2024-12-31</a:t>
+              <a:t>2025-01-02</a:t>
             </a:fld>
             <a:endParaRPr lang="ko-KR" altLang="en-US"/>
           </a:p>
@@ -459,7 +459,7 @@
           <a:p>
             <a:fld id="{5190BD2E-A962-423F-9944-B7E52D31470B}" type="datetimeFigureOut">
               <a:rPr lang="ko-KR" altLang="en-US" smtClean="0"/>
-              <a:t>2024-12-31</a:t>
+              <a:t>2025-01-02</a:t>
             </a:fld>
             <a:endParaRPr lang="ko-KR" altLang="en-US"/>
           </a:p>
@@ -667,7 +667,7 @@
           <a:p>
             <a:fld id="{5190BD2E-A962-423F-9944-B7E52D31470B}" type="datetimeFigureOut">
               <a:rPr lang="ko-KR" altLang="en-US" smtClean="0"/>
-              <a:t>2024-12-31</a:t>
+              <a:t>2025-01-02</a:t>
             </a:fld>
             <a:endParaRPr lang="ko-KR" altLang="en-US"/>
           </a:p>
@@ -865,7 +865,7 @@
           <a:p>
             <a:fld id="{5190BD2E-A962-423F-9944-B7E52D31470B}" type="datetimeFigureOut">
               <a:rPr lang="ko-KR" altLang="en-US" smtClean="0"/>
-              <a:t>2024-12-31</a:t>
+              <a:t>2025-01-02</a:t>
             </a:fld>
             <a:endParaRPr lang="ko-KR" altLang="en-US"/>
           </a:p>
@@ -1140,7 +1140,7 @@
           <a:p>
             <a:fld id="{5190BD2E-A962-423F-9944-B7E52D31470B}" type="datetimeFigureOut">
               <a:rPr lang="ko-KR" altLang="en-US" smtClean="0"/>
-              <a:t>2024-12-31</a:t>
+              <a:t>2025-01-02</a:t>
             </a:fld>
             <a:endParaRPr lang="ko-KR" altLang="en-US"/>
           </a:p>
@@ -1405,7 +1405,7 @@
           <a:p>
             <a:fld id="{5190BD2E-A962-423F-9944-B7E52D31470B}" type="datetimeFigureOut">
               <a:rPr lang="ko-KR" altLang="en-US" smtClean="0"/>
-              <a:t>2024-12-31</a:t>
+              <a:t>2025-01-02</a:t>
             </a:fld>
             <a:endParaRPr lang="ko-KR" altLang="en-US"/>
           </a:p>
@@ -1817,7 +1817,7 @@
           <a:p>
             <a:fld id="{5190BD2E-A962-423F-9944-B7E52D31470B}" type="datetimeFigureOut">
               <a:rPr lang="ko-KR" altLang="en-US" smtClean="0"/>
-              <a:t>2024-12-31</a:t>
+              <a:t>2025-01-02</a:t>
             </a:fld>
             <a:endParaRPr lang="ko-KR" altLang="en-US"/>
           </a:p>
@@ -1958,7 +1958,7 @@
           <a:p>
             <a:fld id="{5190BD2E-A962-423F-9944-B7E52D31470B}" type="datetimeFigureOut">
               <a:rPr lang="ko-KR" altLang="en-US" smtClean="0"/>
-              <a:t>2024-12-31</a:t>
+              <a:t>2025-01-02</a:t>
             </a:fld>
             <a:endParaRPr lang="ko-KR" altLang="en-US"/>
           </a:p>
@@ -2071,7 +2071,7 @@
           <a:p>
             <a:fld id="{5190BD2E-A962-423F-9944-B7E52D31470B}" type="datetimeFigureOut">
               <a:rPr lang="ko-KR" altLang="en-US" smtClean="0"/>
-              <a:t>2024-12-31</a:t>
+              <a:t>2025-01-02</a:t>
             </a:fld>
             <a:endParaRPr lang="ko-KR" altLang="en-US"/>
           </a:p>
@@ -2382,7 +2382,7 @@
           <a:p>
             <a:fld id="{5190BD2E-A962-423F-9944-B7E52D31470B}" type="datetimeFigureOut">
               <a:rPr lang="ko-KR" altLang="en-US" smtClean="0"/>
-              <a:t>2024-12-31</a:t>
+              <a:t>2025-01-02</a:t>
             </a:fld>
             <a:endParaRPr lang="ko-KR" altLang="en-US"/>
           </a:p>
@@ -2670,7 +2670,7 @@
           <a:p>
             <a:fld id="{5190BD2E-A962-423F-9944-B7E52D31470B}" type="datetimeFigureOut">
               <a:rPr lang="ko-KR" altLang="en-US" smtClean="0"/>
-              <a:t>2024-12-31</a:t>
+              <a:t>2025-01-02</a:t>
             </a:fld>
             <a:endParaRPr lang="ko-KR" altLang="en-US"/>
           </a:p>
@@ -2911,7 +2911,7 @@
           <a:p>
             <a:fld id="{5190BD2E-A962-423F-9944-B7E52D31470B}" type="datetimeFigureOut">
               <a:rPr lang="ko-KR" altLang="en-US" smtClean="0"/>
-              <a:t>2024-12-31</a:t>
+              <a:t>2025-01-02</a:t>
             </a:fld>
             <a:endParaRPr lang="ko-KR" altLang="en-US"/>
           </a:p>
@@ -4031,7 +4031,7 @@
             </a:r>
             <a:r>
               <a:rPr lang="en-US" altLang="ko-KR" dirty="0"/>
-              <a:t>(24.12.31)</a:t>
+              <a:t>(24.12.31 ~ 25.1.2)</a:t>
             </a:r>
           </a:p>
           <a:p>
@@ -4043,39 +4043,6 @@
               <a:rPr lang="ko-KR" altLang="en-US" sz="2000" dirty="0"/>
               <a:t>플레이어의 상태패턴</a:t>
             </a:r>
-            <a:r>
-              <a:rPr lang="en-US" altLang="ko-KR" sz="2000" dirty="0"/>
-              <a:t>(</a:t>
-            </a:r>
-            <a:r>
-              <a:rPr lang="ko-KR" altLang="en-US" sz="2000" dirty="0"/>
-              <a:t>이동</a:t>
-            </a:r>
-            <a:r>
-              <a:rPr lang="en-US" altLang="ko-KR" sz="2000" dirty="0"/>
-              <a:t>, </a:t>
-            </a:r>
-            <a:r>
-              <a:rPr lang="ko-KR" altLang="en-US" sz="2000" dirty="0"/>
-              <a:t>점프</a:t>
-            </a:r>
-            <a:r>
-              <a:rPr lang="en-US" altLang="ko-KR" sz="2000" dirty="0"/>
-              <a:t>, </a:t>
-            </a:r>
-            <a:r>
-              <a:rPr lang="ko-KR" altLang="en-US" sz="2000" dirty="0"/>
-              <a:t>대기</a:t>
-            </a:r>
-            <a:r>
-              <a:rPr lang="en-US" altLang="ko-KR" sz="2000" dirty="0"/>
-              <a:t>)</a:t>
-            </a:r>
-          </a:p>
-          <a:p>
-            <a:pPr marL="0" indent="0">
-              <a:buNone/>
-            </a:pPr>
             <a:endParaRPr lang="en-US" altLang="ko-KR" sz="2000" dirty="0"/>
           </a:p>
         </p:txBody>
@@ -4094,7 +4061,7 @@
         </p:nvSpPr>
         <p:spPr>
           <a:xfrm>
-            <a:off x="457200" y="1371599"/>
+            <a:off x="3205370" y="1416324"/>
             <a:ext cx="6639339" cy="5247861"/>
           </a:xfrm>
           <a:prstGeom prst="rect">
@@ -4145,7 +4112,7 @@
         </p:nvSpPr>
         <p:spPr>
           <a:xfrm>
-            <a:off x="2113721" y="1733084"/>
+            <a:off x="4861891" y="1777809"/>
             <a:ext cx="974035" cy="447261"/>
           </a:xfrm>
           <a:prstGeom prst="rect">
@@ -4208,7 +4175,7 @@
         </p:nvSpPr>
         <p:spPr>
           <a:xfrm>
-            <a:off x="851452" y="1733084"/>
+            <a:off x="3599622" y="1777809"/>
             <a:ext cx="974035" cy="447261"/>
           </a:xfrm>
           <a:prstGeom prst="rect">
@@ -4257,69 +4224,6 @@
           </a:p>
         </p:txBody>
       </p:sp>
-      <p:sp>
-        <p:nvSpPr>
-          <p:cNvPr id="7" name="직사각형 6">
-            <a:extLst>
-              <a:ext uri="{FF2B5EF4-FFF2-40B4-BE49-F238E27FC236}">
-                <a16:creationId xmlns:a16="http://schemas.microsoft.com/office/drawing/2014/main" id="{C0381CAA-44ED-6169-B0C4-AF419CAB5358}"/>
-              </a:ext>
-            </a:extLst>
-          </p:cNvPr>
-          <p:cNvSpPr/>
-          <p:nvPr/>
-        </p:nvSpPr>
-        <p:spPr>
-          <a:xfrm>
-            <a:off x="2113721" y="2563002"/>
-            <a:ext cx="974035" cy="447261"/>
-          </a:xfrm>
-          <a:prstGeom prst="rect">
-            <a:avLst/>
-          </a:prstGeom>
-          <a:solidFill>
-            <a:schemeClr val="bg1">
-              <a:lumMod val="85000"/>
-            </a:schemeClr>
-          </a:solidFill>
-        </p:spPr>
-        <p:style>
-          <a:lnRef idx="2">
-            <a:schemeClr val="accent1">
-              <a:shade val="15000"/>
-            </a:schemeClr>
-          </a:lnRef>
-          <a:fillRef idx="1">
-            <a:schemeClr val="accent1"/>
-          </a:fillRef>
-          <a:effectRef idx="0">
-            <a:schemeClr val="accent1"/>
-          </a:effectRef>
-          <a:fontRef idx="minor">
-            <a:schemeClr val="lt1"/>
-          </a:fontRef>
-        </p:style>
-        <p:txBody>
-          <a:bodyPr rtlCol="0" anchor="ctr"/>
-          <a:lstStyle/>
-          <a:p>
-            <a:pPr algn="ctr"/>
-            <a:r>
-              <a:rPr lang="en-US" altLang="ko-KR" dirty="0">
-                <a:solidFill>
-                  <a:schemeClr val="tx1"/>
-                </a:solidFill>
-              </a:rPr>
-              <a:t>Jump</a:t>
-            </a:r>
-            <a:endParaRPr lang="ko-KR" altLang="en-US" dirty="0">
-              <a:solidFill>
-                <a:schemeClr val="tx1"/>
-              </a:solidFill>
-            </a:endParaRPr>
-          </a:p>
-        </p:txBody>
-      </p:sp>
       <p:cxnSp>
         <p:nvCxnSpPr>
           <p:cNvPr id="9" name="직선 화살표 연결선 8">
@@ -4338,7 +4242,7 @@
         </p:nvCxnSpPr>
         <p:spPr>
           <a:xfrm>
-            <a:off x="1825487" y="1956715"/>
+            <a:off x="4573657" y="2001440"/>
             <a:ext cx="288234" cy="0"/>
           </a:xfrm>
           <a:prstGeom prst="straightConnector1">
@@ -4369,74 +4273,27 @@
       </p:cxnSp>
       <p:cxnSp>
         <p:nvCxnSpPr>
-          <p:cNvPr id="12" name="직선 화살표 연결선 11">
-            <a:extLst>
-              <a:ext uri="{FF2B5EF4-FFF2-40B4-BE49-F238E27FC236}">
-                <a16:creationId xmlns:a16="http://schemas.microsoft.com/office/drawing/2014/main" id="{EECEE202-5AF6-11A1-A491-EB89B773F308}"/>
+          <p:cNvPr id="20" name="연결선: 꺾임 19">
+            <a:extLst>
+              <a:ext uri="{FF2B5EF4-FFF2-40B4-BE49-F238E27FC236}">
+                <a16:creationId xmlns:a16="http://schemas.microsoft.com/office/drawing/2014/main" id="{56C3AC28-89D8-0E68-BFE1-8EB678C9ACB5}"/>
               </a:ext>
             </a:extLst>
           </p:cNvPr>
           <p:cNvCxnSpPr>
             <a:cxnSpLocks/>
-            <a:stCxn id="7" idx="0"/>
+            <a:stCxn id="6" idx="2"/>
+            <a:endCxn id="24" idx="1"/>
           </p:cNvCxnSpPr>
           <p:nvPr/>
         </p:nvCxnSpPr>
         <p:spPr>
-          <a:xfrm flipH="1" flipV="1">
-            <a:off x="2600738" y="2180344"/>
-            <a:ext cx="1" cy="382658"/>
-          </a:xfrm>
-          <a:prstGeom prst="straightConnector1">
+          <a:xfrm rot="16200000" flipH="1">
+            <a:off x="4802257" y="1509453"/>
+            <a:ext cx="606287" cy="2037520"/>
+          </a:xfrm>
+          <a:prstGeom prst="bentConnector2">
             <a:avLst/>
-          </a:prstGeom>
-          <a:ln>
-            <a:solidFill>
-              <a:schemeClr val="bg2"/>
-            </a:solidFill>
-            <a:headEnd type="triangle"/>
-            <a:tailEnd type="triangle"/>
-          </a:ln>
-        </p:spPr>
-        <p:style>
-          <a:lnRef idx="2">
-            <a:schemeClr val="accent1"/>
-          </a:lnRef>
-          <a:fillRef idx="0">
-            <a:schemeClr val="accent1"/>
-          </a:fillRef>
-          <a:effectRef idx="1">
-            <a:schemeClr val="accent1"/>
-          </a:effectRef>
-          <a:fontRef idx="minor">
-            <a:schemeClr val="tx1"/>
-          </a:fontRef>
-        </p:style>
-      </p:cxnSp>
-      <p:cxnSp>
-        <p:nvCxnSpPr>
-          <p:cNvPr id="20" name="연결선: 꺾임 19">
-            <a:extLst>
-              <a:ext uri="{FF2B5EF4-FFF2-40B4-BE49-F238E27FC236}">
-                <a16:creationId xmlns:a16="http://schemas.microsoft.com/office/drawing/2014/main" id="{56C3AC28-89D8-0E68-BFE1-8EB678C9ACB5}"/>
-              </a:ext>
-            </a:extLst>
-          </p:cNvPr>
-          <p:cNvCxnSpPr>
-            <a:stCxn id="6" idx="2"/>
-            <a:endCxn id="7" idx="2"/>
-          </p:cNvCxnSpPr>
-          <p:nvPr/>
-        </p:nvCxnSpPr>
-        <p:spPr>
-          <a:xfrm rot="16200000" flipH="1">
-            <a:off x="1554645" y="1964169"/>
-            <a:ext cx="829918" cy="1262269"/>
-          </a:xfrm>
-          <a:prstGeom prst="bentConnector3">
-            <a:avLst>
-              <a:gd name="adj1" fmla="val 127545"/>
-            </a:avLst>
           </a:prstGeom>
           <a:ln>
             <a:solidFill>
@@ -4474,7 +4331,7 @@
         </p:nvSpPr>
         <p:spPr>
           <a:xfrm>
-            <a:off x="3375990" y="2563001"/>
+            <a:off x="6124160" y="2607726"/>
             <a:ext cx="974035" cy="447261"/>
           </a:xfrm>
           <a:prstGeom prst="rect">
@@ -4513,6 +4370,17 @@
                   <a:schemeClr val="tx1"/>
                 </a:solidFill>
               </a:rPr>
+              <a:t>Jump</a:t>
+            </a:r>
+          </a:p>
+          <a:p>
+            <a:pPr algn="ctr"/>
+            <a:r>
+              <a:rPr lang="en-US" altLang="ko-KR" sz="1600" dirty="0">
+                <a:solidFill>
+                  <a:schemeClr val="tx1"/>
+                </a:solidFill>
+              </a:rPr>
               <a:t>Start</a:t>
             </a:r>
             <a:endParaRPr lang="ko-KR" altLang="en-US" dirty="0">
@@ -4537,7 +4405,7 @@
         </p:nvSpPr>
         <p:spPr>
           <a:xfrm>
-            <a:off x="3375990" y="3205369"/>
+            <a:off x="6124160" y="3250094"/>
             <a:ext cx="974035" cy="447261"/>
           </a:xfrm>
           <a:prstGeom prst="rect">
@@ -4600,7 +4468,7 @@
         </p:nvSpPr>
         <p:spPr>
           <a:xfrm>
-            <a:off x="3375990" y="3847737"/>
+            <a:off x="6124160" y="3892462"/>
             <a:ext cx="974035" cy="447261"/>
           </a:xfrm>
           <a:prstGeom prst="rect">
@@ -4663,7 +4531,7 @@
         </p:nvSpPr>
         <p:spPr>
           <a:xfrm>
-            <a:off x="3375990" y="4490105"/>
+            <a:off x="6124160" y="4534830"/>
             <a:ext cx="974035" cy="447261"/>
           </a:xfrm>
           <a:prstGeom prst="rect">
@@ -4697,14 +4565,14 @@
           <a:p>
             <a:pPr algn="ctr"/>
             <a:r>
-              <a:rPr lang="en-US" altLang="ko-KR" dirty="0">
+              <a:rPr lang="en-US" altLang="ko-KR" sz="1600" dirty="0">
                 <a:solidFill>
                   <a:schemeClr val="tx1"/>
                 </a:solidFill>
               </a:rPr>
               <a:t>Falling</a:t>
             </a:r>
-            <a:endParaRPr lang="ko-KR" altLang="en-US" dirty="0">
+            <a:endParaRPr lang="ko-KR" altLang="en-US" sz="1600" dirty="0">
               <a:solidFill>
                 <a:schemeClr val="tx1"/>
               </a:solidFill>
@@ -4730,7 +4598,7 @@
         </p:nvCxnSpPr>
         <p:spPr>
           <a:xfrm rot="5400000" flipH="1">
-            <a:off x="1985056" y="3059415"/>
+            <a:off x="4733226" y="3104140"/>
             <a:ext cx="2980651" cy="775252"/>
           </a:xfrm>
           <a:prstGeom prst="bentConnector4">
@@ -4763,23 +4631,24 @@
       </p:cxnSp>
       <p:cxnSp>
         <p:nvCxnSpPr>
-          <p:cNvPr id="38" name="직선 화살표 연결선 37">
-            <a:extLst>
-              <a:ext uri="{FF2B5EF4-FFF2-40B4-BE49-F238E27FC236}">
-                <a16:creationId xmlns:a16="http://schemas.microsoft.com/office/drawing/2014/main" id="{A9E691D8-FE98-BAC3-14FE-889881CE0607}"/>
+          <p:cNvPr id="39" name="직선 화살표 연결선 38">
+            <a:extLst>
+              <a:ext uri="{FF2B5EF4-FFF2-40B4-BE49-F238E27FC236}">
+                <a16:creationId xmlns:a16="http://schemas.microsoft.com/office/drawing/2014/main" id="{01D66C88-9AB6-E755-A705-39B8616254BC}"/>
               </a:ext>
             </a:extLst>
           </p:cNvPr>
           <p:cNvCxnSpPr>
-            <a:stCxn id="7" idx="3"/>
-            <a:endCxn id="24" idx="1"/>
+            <a:cxnSpLocks/>
+            <a:stCxn id="24" idx="2"/>
+            <a:endCxn id="25" idx="0"/>
           </p:cNvCxnSpPr>
           <p:nvPr/>
         </p:nvCxnSpPr>
         <p:spPr>
-          <a:xfrm flipV="1">
-            <a:off x="3087756" y="2786631"/>
-            <a:ext cx="288234" cy="2"/>
+          <a:xfrm>
+            <a:off x="6611178" y="3054987"/>
+            <a:ext cx="0" cy="195107"/>
           </a:xfrm>
           <a:prstGeom prst="straightConnector1">
             <a:avLst/>
@@ -4808,23 +4677,21 @@
       </p:cxnSp>
       <p:cxnSp>
         <p:nvCxnSpPr>
-          <p:cNvPr id="39" name="직선 화살표 연결선 38">
-            <a:extLst>
-              <a:ext uri="{FF2B5EF4-FFF2-40B4-BE49-F238E27FC236}">
-                <a16:creationId xmlns:a16="http://schemas.microsoft.com/office/drawing/2014/main" id="{01D66C88-9AB6-E755-A705-39B8616254BC}"/>
+          <p:cNvPr id="42" name="직선 화살표 연결선 41">
+            <a:extLst>
+              <a:ext uri="{FF2B5EF4-FFF2-40B4-BE49-F238E27FC236}">
+                <a16:creationId xmlns:a16="http://schemas.microsoft.com/office/drawing/2014/main" id="{E5FCE4A9-1571-30A3-222C-4D72607743E2}"/>
               </a:ext>
             </a:extLst>
           </p:cNvPr>
           <p:cNvCxnSpPr>
             <a:cxnSpLocks/>
-            <a:stCxn id="24" idx="2"/>
-            <a:endCxn id="25" idx="0"/>
           </p:cNvCxnSpPr>
           <p:nvPr/>
         </p:nvCxnSpPr>
         <p:spPr>
           <a:xfrm>
-            <a:off x="3863008" y="3010262"/>
+            <a:off x="6611177" y="3697355"/>
             <a:ext cx="0" cy="195107"/>
           </a:xfrm>
           <a:prstGeom prst="straightConnector1">
@@ -4854,10 +4721,10 @@
       </p:cxnSp>
       <p:cxnSp>
         <p:nvCxnSpPr>
-          <p:cNvPr id="42" name="직선 화살표 연결선 41">
-            <a:extLst>
-              <a:ext uri="{FF2B5EF4-FFF2-40B4-BE49-F238E27FC236}">
-                <a16:creationId xmlns:a16="http://schemas.microsoft.com/office/drawing/2014/main" id="{E5FCE4A9-1571-30A3-222C-4D72607743E2}"/>
+          <p:cNvPr id="43" name="직선 화살표 연결선 42">
+            <a:extLst>
+              <a:ext uri="{FF2B5EF4-FFF2-40B4-BE49-F238E27FC236}">
+                <a16:creationId xmlns:a16="http://schemas.microsoft.com/office/drawing/2014/main" id="{C8D43700-F68B-51B1-C0D6-37EC86A976EC}"/>
               </a:ext>
             </a:extLst>
           </p:cNvPr>
@@ -4868,7 +4735,7 @@
         </p:nvCxnSpPr>
         <p:spPr>
           <a:xfrm>
-            <a:off x="3863007" y="3652630"/>
+            <a:off x="6611176" y="4339723"/>
             <a:ext cx="0" cy="195107"/>
           </a:xfrm>
           <a:prstGeom prst="straightConnector1">
@@ -4896,24 +4763,88 @@
           </a:fontRef>
         </p:style>
       </p:cxnSp>
+      <p:sp>
+        <p:nvSpPr>
+          <p:cNvPr id="44" name="직사각형 43">
+            <a:extLst>
+              <a:ext uri="{FF2B5EF4-FFF2-40B4-BE49-F238E27FC236}">
+                <a16:creationId xmlns:a16="http://schemas.microsoft.com/office/drawing/2014/main" id="{70A98F69-3E7D-6B90-82F2-18AD4B8C7673}"/>
+              </a:ext>
+            </a:extLst>
+          </p:cNvPr>
+          <p:cNvSpPr/>
+          <p:nvPr/>
+        </p:nvSpPr>
+        <p:spPr>
+          <a:xfrm>
+            <a:off x="7497417" y="3892462"/>
+            <a:ext cx="974035" cy="447261"/>
+          </a:xfrm>
+          <a:prstGeom prst="rect">
+            <a:avLst/>
+          </a:prstGeom>
+          <a:solidFill>
+            <a:schemeClr val="bg1">
+              <a:lumMod val="85000"/>
+            </a:schemeClr>
+          </a:solidFill>
+        </p:spPr>
+        <p:style>
+          <a:lnRef idx="2">
+            <a:schemeClr val="accent1">
+              <a:shade val="15000"/>
+            </a:schemeClr>
+          </a:lnRef>
+          <a:fillRef idx="1">
+            <a:schemeClr val="accent1"/>
+          </a:fillRef>
+          <a:effectRef idx="0">
+            <a:schemeClr val="accent1"/>
+          </a:effectRef>
+          <a:fontRef idx="minor">
+            <a:schemeClr val="lt1"/>
+          </a:fontRef>
+        </p:style>
+        <p:txBody>
+          <a:bodyPr rtlCol="0" anchor="ctr"/>
+          <a:lstStyle/>
+          <a:p>
+            <a:pPr algn="ctr"/>
+            <a:r>
+              <a:rPr lang="en-US" altLang="ko-KR" sz="1600" dirty="0">
+                <a:solidFill>
+                  <a:schemeClr val="tx1"/>
+                </a:solidFill>
+              </a:rPr>
+              <a:t>Cancel</a:t>
+            </a:r>
+            <a:endParaRPr lang="ko-KR" altLang="en-US" dirty="0">
+              <a:solidFill>
+                <a:schemeClr val="tx1"/>
+              </a:solidFill>
+            </a:endParaRPr>
+          </a:p>
+        </p:txBody>
+      </p:sp>
       <p:cxnSp>
         <p:nvCxnSpPr>
-          <p:cNvPr id="43" name="직선 화살표 연결선 42">
-            <a:extLst>
-              <a:ext uri="{FF2B5EF4-FFF2-40B4-BE49-F238E27FC236}">
-                <a16:creationId xmlns:a16="http://schemas.microsoft.com/office/drawing/2014/main" id="{C8D43700-F68B-51B1-C0D6-37EC86A976EC}"/>
+          <p:cNvPr id="46" name="직선 화살표 연결선 45">
+            <a:extLst>
+              <a:ext uri="{FF2B5EF4-FFF2-40B4-BE49-F238E27FC236}">
+                <a16:creationId xmlns:a16="http://schemas.microsoft.com/office/drawing/2014/main" id="{88AE7B9A-30AA-D06B-6F47-09FB994972A1}"/>
               </a:ext>
             </a:extLst>
           </p:cNvPr>
           <p:cNvCxnSpPr>
-            <a:cxnSpLocks/>
+            <a:stCxn id="25" idx="3"/>
+            <a:endCxn id="44" idx="1"/>
           </p:cNvCxnSpPr>
           <p:nvPr/>
         </p:nvCxnSpPr>
         <p:spPr>
           <a:xfrm>
-            <a:off x="3863006" y="4294998"/>
-            <a:ext cx="0" cy="195107"/>
+            <a:off x="7098195" y="3473725"/>
+            <a:ext cx="399222" cy="642368"/>
           </a:xfrm>
           <a:prstGeom prst="straightConnector1">
             <a:avLst/>
@@ -4940,88 +4871,26 @@
           </a:fontRef>
         </p:style>
       </p:cxnSp>
-      <p:sp>
-        <p:nvSpPr>
-          <p:cNvPr id="44" name="직사각형 43">
-            <a:extLst>
-              <a:ext uri="{FF2B5EF4-FFF2-40B4-BE49-F238E27FC236}">
-                <a16:creationId xmlns:a16="http://schemas.microsoft.com/office/drawing/2014/main" id="{70A98F69-3E7D-6B90-82F2-18AD4B8C7673}"/>
-              </a:ext>
-            </a:extLst>
-          </p:cNvPr>
-          <p:cNvSpPr/>
-          <p:nvPr/>
-        </p:nvSpPr>
-        <p:spPr>
-          <a:xfrm>
-            <a:off x="4749247" y="3847737"/>
-            <a:ext cx="974035" cy="447261"/>
-          </a:xfrm>
-          <a:prstGeom prst="rect">
-            <a:avLst/>
-          </a:prstGeom>
-          <a:solidFill>
-            <a:schemeClr val="bg1">
-              <a:lumMod val="85000"/>
-            </a:schemeClr>
-          </a:solidFill>
-        </p:spPr>
-        <p:style>
-          <a:lnRef idx="2">
-            <a:schemeClr val="accent1">
-              <a:shade val="15000"/>
-            </a:schemeClr>
-          </a:lnRef>
-          <a:fillRef idx="1">
-            <a:schemeClr val="accent1"/>
-          </a:fillRef>
-          <a:effectRef idx="0">
-            <a:schemeClr val="accent1"/>
-          </a:effectRef>
-          <a:fontRef idx="minor">
-            <a:schemeClr val="lt1"/>
-          </a:fontRef>
-        </p:style>
-        <p:txBody>
-          <a:bodyPr rtlCol="0" anchor="ctr"/>
-          <a:lstStyle/>
-          <a:p>
-            <a:pPr algn="ctr"/>
-            <a:r>
-              <a:rPr lang="en-US" altLang="ko-KR" sz="1600" dirty="0">
-                <a:solidFill>
-                  <a:schemeClr val="tx1"/>
-                </a:solidFill>
-              </a:rPr>
-              <a:t>Cancel</a:t>
-            </a:r>
-            <a:endParaRPr lang="ko-KR" altLang="en-US" dirty="0">
-              <a:solidFill>
-                <a:schemeClr val="tx1"/>
-              </a:solidFill>
-            </a:endParaRPr>
-          </a:p>
-        </p:txBody>
-      </p:sp>
       <p:cxnSp>
         <p:nvCxnSpPr>
-          <p:cNvPr id="46" name="직선 화살표 연결선 45">
-            <a:extLst>
-              <a:ext uri="{FF2B5EF4-FFF2-40B4-BE49-F238E27FC236}">
-                <a16:creationId xmlns:a16="http://schemas.microsoft.com/office/drawing/2014/main" id="{88AE7B9A-30AA-D06B-6F47-09FB994972A1}"/>
+          <p:cNvPr id="47" name="직선 화살표 연결선 46">
+            <a:extLst>
+              <a:ext uri="{FF2B5EF4-FFF2-40B4-BE49-F238E27FC236}">
+                <a16:creationId xmlns:a16="http://schemas.microsoft.com/office/drawing/2014/main" id="{44FDC001-B339-8608-1474-A8EF49D324C1}"/>
               </a:ext>
             </a:extLst>
           </p:cNvPr>
           <p:cNvCxnSpPr>
-            <a:stCxn id="25" idx="3"/>
+            <a:cxnSpLocks/>
+            <a:stCxn id="26" idx="3"/>
             <a:endCxn id="44" idx="1"/>
           </p:cNvCxnSpPr>
           <p:nvPr/>
         </p:nvCxnSpPr>
         <p:spPr>
           <a:xfrm>
-            <a:off x="4350025" y="3429000"/>
-            <a:ext cx="399222" cy="642368"/>
+            <a:off x="7098195" y="4116093"/>
+            <a:ext cx="399222" cy="0"/>
           </a:xfrm>
           <a:prstGeom prst="straightConnector1">
             <a:avLst/>
@@ -5050,24 +4919,23 @@
       </p:cxnSp>
       <p:cxnSp>
         <p:nvCxnSpPr>
-          <p:cNvPr id="47" name="직선 화살표 연결선 46">
-            <a:extLst>
-              <a:ext uri="{FF2B5EF4-FFF2-40B4-BE49-F238E27FC236}">
-                <a16:creationId xmlns:a16="http://schemas.microsoft.com/office/drawing/2014/main" id="{44FDC001-B339-8608-1474-A8EF49D324C1}"/>
+          <p:cNvPr id="50" name="직선 화살표 연결선 49">
+            <a:extLst>
+              <a:ext uri="{FF2B5EF4-FFF2-40B4-BE49-F238E27FC236}">
+                <a16:creationId xmlns:a16="http://schemas.microsoft.com/office/drawing/2014/main" id="{92E4B0E8-0B4B-400F-E6DE-C92C0614C39D}"/>
               </a:ext>
             </a:extLst>
           </p:cNvPr>
           <p:cNvCxnSpPr>
             <a:cxnSpLocks/>
-            <a:stCxn id="26" idx="3"/>
             <a:endCxn id="44" idx="1"/>
           </p:cNvCxnSpPr>
           <p:nvPr/>
         </p:nvCxnSpPr>
         <p:spPr>
-          <a:xfrm>
-            <a:off x="4350025" y="4071368"/>
-            <a:ext cx="399222" cy="0"/>
+          <a:xfrm flipV="1">
+            <a:off x="7098195" y="4116093"/>
+            <a:ext cx="399222" cy="642368"/>
           </a:xfrm>
           <a:prstGeom prst="straightConnector1">
             <a:avLst/>
@@ -5096,23 +4964,22 @@
       </p:cxnSp>
       <p:cxnSp>
         <p:nvCxnSpPr>
-          <p:cNvPr id="50" name="직선 화살표 연결선 49">
-            <a:extLst>
-              <a:ext uri="{FF2B5EF4-FFF2-40B4-BE49-F238E27FC236}">
-                <a16:creationId xmlns:a16="http://schemas.microsoft.com/office/drawing/2014/main" id="{92E4B0E8-0B4B-400F-E6DE-C92C0614C39D}"/>
+          <p:cNvPr id="52" name="직선 화살표 연결선 51">
+            <a:extLst>
+              <a:ext uri="{FF2B5EF4-FFF2-40B4-BE49-F238E27FC236}">
+                <a16:creationId xmlns:a16="http://schemas.microsoft.com/office/drawing/2014/main" id="{000877F3-38A2-1272-E7CB-BFF167092C5D}"/>
               </a:ext>
             </a:extLst>
           </p:cNvPr>
           <p:cNvCxnSpPr>
             <a:cxnSpLocks/>
-            <a:endCxn id="44" idx="1"/>
           </p:cNvCxnSpPr>
           <p:nvPr/>
         </p:nvCxnSpPr>
         <p:spPr>
-          <a:xfrm flipV="1">
-            <a:off x="4350025" y="4071368"/>
-            <a:ext cx="399222" cy="642368"/>
+          <a:xfrm>
+            <a:off x="8491330" y="4116092"/>
+            <a:ext cx="955814" cy="0"/>
           </a:xfrm>
           <a:prstGeom prst="straightConnector1">
             <a:avLst/>
@@ -5139,24 +5006,426 @@
           </a:fontRef>
         </p:style>
       </p:cxnSp>
+      <p:grpSp>
+        <p:nvGrpSpPr>
+          <p:cNvPr id="10" name="그룹 9">
+            <a:extLst>
+              <a:ext uri="{FF2B5EF4-FFF2-40B4-BE49-F238E27FC236}">
+                <a16:creationId xmlns:a16="http://schemas.microsoft.com/office/drawing/2014/main" id="{5AA69224-6484-2245-8050-38D417C4123C}"/>
+              </a:ext>
+            </a:extLst>
+          </p:cNvPr>
+          <p:cNvGrpSpPr/>
+          <p:nvPr/>
+        </p:nvGrpSpPr>
+        <p:grpSpPr>
+          <a:xfrm>
+            <a:off x="10013674" y="524288"/>
+            <a:ext cx="1774135" cy="447261"/>
+            <a:chOff x="10013674" y="318052"/>
+            <a:chExt cx="1774135" cy="447261"/>
+          </a:xfrm>
+        </p:grpSpPr>
+        <p:sp>
+          <p:nvSpPr>
+            <p:cNvPr id="2" name="직사각형 1">
+              <a:extLst>
+                <a:ext uri="{FF2B5EF4-FFF2-40B4-BE49-F238E27FC236}">
+                  <a16:creationId xmlns:a16="http://schemas.microsoft.com/office/drawing/2014/main" id="{BF31DC3D-25BF-B541-4665-B3720269F0D5}"/>
+                </a:ext>
+              </a:extLst>
+            </p:cNvPr>
+            <p:cNvSpPr/>
+            <p:nvPr/>
+          </p:nvSpPr>
+          <p:spPr>
+            <a:xfrm>
+              <a:off x="10813774" y="318052"/>
+              <a:ext cx="974035" cy="447261"/>
+            </a:xfrm>
+            <a:prstGeom prst="rect">
+              <a:avLst/>
+            </a:prstGeom>
+            <a:solidFill>
+              <a:schemeClr val="bg1">
+                <a:lumMod val="85000"/>
+              </a:schemeClr>
+            </a:solidFill>
+          </p:spPr>
+          <p:style>
+            <a:lnRef idx="2">
+              <a:schemeClr val="accent1">
+                <a:shade val="15000"/>
+              </a:schemeClr>
+            </a:lnRef>
+            <a:fillRef idx="1">
+              <a:schemeClr val="accent1"/>
+            </a:fillRef>
+            <a:effectRef idx="0">
+              <a:schemeClr val="accent1"/>
+            </a:effectRef>
+            <a:fontRef idx="minor">
+              <a:schemeClr val="lt1"/>
+            </a:fontRef>
+          </p:style>
+          <p:txBody>
+            <a:bodyPr rtlCol="0" anchor="ctr"/>
+            <a:lstStyle/>
+            <a:p>
+              <a:pPr algn="ctr"/>
+              <a:endParaRPr lang="ko-KR" altLang="en-US" dirty="0">
+                <a:solidFill>
+                  <a:schemeClr val="tx1"/>
+                </a:solidFill>
+              </a:endParaRPr>
+            </a:p>
+          </p:txBody>
+        </p:sp>
+        <p:sp>
+          <p:nvSpPr>
+            <p:cNvPr id="8" name="TextBox 7">
+              <a:extLst>
+                <a:ext uri="{FF2B5EF4-FFF2-40B4-BE49-F238E27FC236}">
+                  <a16:creationId xmlns:a16="http://schemas.microsoft.com/office/drawing/2014/main" id="{8297C87C-A5E8-8E8D-215A-BAA14C9ACED0}"/>
+                </a:ext>
+              </a:extLst>
+            </p:cNvPr>
+            <p:cNvSpPr txBox="1"/>
+            <p:nvPr/>
+          </p:nvSpPr>
+          <p:spPr>
+            <a:xfrm>
+              <a:off x="10013674" y="327991"/>
+              <a:ext cx="1262270" cy="369332"/>
+            </a:xfrm>
+            <a:prstGeom prst="rect">
+              <a:avLst/>
+            </a:prstGeom>
+            <a:noFill/>
+          </p:spPr>
+          <p:txBody>
+            <a:bodyPr wrap="square" rtlCol="0">
+              <a:spAutoFit/>
+            </a:bodyPr>
+            <a:lstStyle/>
+            <a:p>
+              <a:r>
+                <a:rPr lang="en-US" altLang="ko-KR" dirty="0"/>
+                <a:t>12.31</a:t>
+              </a:r>
+              <a:endParaRPr lang="ko-KR" altLang="en-US" dirty="0"/>
+            </a:p>
+          </p:txBody>
+        </p:sp>
+      </p:grpSp>
+      <p:grpSp>
+        <p:nvGrpSpPr>
+          <p:cNvPr id="11" name="그룹 10">
+            <a:extLst>
+              <a:ext uri="{FF2B5EF4-FFF2-40B4-BE49-F238E27FC236}">
+                <a16:creationId xmlns:a16="http://schemas.microsoft.com/office/drawing/2014/main" id="{9F14B368-6D27-160D-6439-E4A815DA0170}"/>
+              </a:ext>
+            </a:extLst>
+          </p:cNvPr>
+          <p:cNvGrpSpPr/>
+          <p:nvPr/>
+        </p:nvGrpSpPr>
+        <p:grpSpPr>
+          <a:xfrm>
+            <a:off x="10013674" y="1147968"/>
+            <a:ext cx="1774135" cy="447261"/>
+            <a:chOff x="10013674" y="318052"/>
+            <a:chExt cx="1774135" cy="447261"/>
+          </a:xfrm>
+        </p:grpSpPr>
+        <p:sp>
+          <p:nvSpPr>
+            <p:cNvPr id="13" name="직사각형 12">
+              <a:extLst>
+                <a:ext uri="{FF2B5EF4-FFF2-40B4-BE49-F238E27FC236}">
+                  <a16:creationId xmlns:a16="http://schemas.microsoft.com/office/drawing/2014/main" id="{E7321A78-3739-D8B6-E0D1-271CF7F38863}"/>
+                </a:ext>
+              </a:extLst>
+            </p:cNvPr>
+            <p:cNvSpPr/>
+            <p:nvPr/>
+          </p:nvSpPr>
+          <p:spPr>
+            <a:xfrm>
+              <a:off x="10813774" y="318052"/>
+              <a:ext cx="974035" cy="447261"/>
+            </a:xfrm>
+            <a:prstGeom prst="rect">
+              <a:avLst/>
+            </a:prstGeom>
+            <a:solidFill>
+              <a:schemeClr val="tx2">
+                <a:lumMod val="25000"/>
+                <a:lumOff val="75000"/>
+              </a:schemeClr>
+            </a:solidFill>
+          </p:spPr>
+          <p:style>
+            <a:lnRef idx="2">
+              <a:schemeClr val="accent1">
+                <a:shade val="15000"/>
+              </a:schemeClr>
+            </a:lnRef>
+            <a:fillRef idx="1">
+              <a:schemeClr val="accent1"/>
+            </a:fillRef>
+            <a:effectRef idx="0">
+              <a:schemeClr val="accent1"/>
+            </a:effectRef>
+            <a:fontRef idx="minor">
+              <a:schemeClr val="lt1"/>
+            </a:fontRef>
+          </p:style>
+          <p:txBody>
+            <a:bodyPr rtlCol="0" anchor="ctr"/>
+            <a:lstStyle/>
+            <a:p>
+              <a:pPr algn="ctr"/>
+              <a:endParaRPr lang="ko-KR" altLang="en-US" dirty="0">
+                <a:solidFill>
+                  <a:schemeClr val="tx1"/>
+                </a:solidFill>
+              </a:endParaRPr>
+            </a:p>
+          </p:txBody>
+        </p:sp>
+        <p:sp>
+          <p:nvSpPr>
+            <p:cNvPr id="14" name="TextBox 13">
+              <a:extLst>
+                <a:ext uri="{FF2B5EF4-FFF2-40B4-BE49-F238E27FC236}">
+                  <a16:creationId xmlns:a16="http://schemas.microsoft.com/office/drawing/2014/main" id="{53181287-7EAB-B26D-5F28-53DA0DE6E11D}"/>
+                </a:ext>
+              </a:extLst>
+            </p:cNvPr>
+            <p:cNvSpPr txBox="1"/>
+            <p:nvPr/>
+          </p:nvSpPr>
+          <p:spPr>
+            <a:xfrm>
+              <a:off x="10013674" y="327991"/>
+              <a:ext cx="1262270" cy="369332"/>
+            </a:xfrm>
+            <a:prstGeom prst="rect">
+              <a:avLst/>
+            </a:prstGeom>
+            <a:noFill/>
+          </p:spPr>
+          <p:txBody>
+            <a:bodyPr wrap="square" rtlCol="0">
+              <a:spAutoFit/>
+            </a:bodyPr>
+            <a:lstStyle/>
+            <a:p>
+              <a:r>
+                <a:rPr lang="en-US" altLang="ko-KR" dirty="0"/>
+                <a:t>1.1</a:t>
+              </a:r>
+              <a:endParaRPr lang="ko-KR" altLang="en-US" dirty="0"/>
+            </a:p>
+          </p:txBody>
+        </p:sp>
+      </p:grpSp>
+      <p:sp>
+        <p:nvSpPr>
+          <p:cNvPr id="15" name="직사각형 14">
+            <a:extLst>
+              <a:ext uri="{FF2B5EF4-FFF2-40B4-BE49-F238E27FC236}">
+                <a16:creationId xmlns:a16="http://schemas.microsoft.com/office/drawing/2014/main" id="{CCC45354-6F52-4246-CC98-D6D651A4FED9}"/>
+              </a:ext>
+            </a:extLst>
+          </p:cNvPr>
+          <p:cNvSpPr/>
+          <p:nvPr/>
+        </p:nvSpPr>
+        <p:spPr>
+          <a:xfrm>
+            <a:off x="6124160" y="5083864"/>
+            <a:ext cx="974035" cy="447261"/>
+          </a:xfrm>
+          <a:prstGeom prst="rect">
+            <a:avLst/>
+          </a:prstGeom>
+          <a:solidFill>
+            <a:schemeClr val="tx2">
+              <a:lumMod val="25000"/>
+              <a:lumOff val="75000"/>
+            </a:schemeClr>
+          </a:solidFill>
+        </p:spPr>
+        <p:style>
+          <a:lnRef idx="2">
+            <a:schemeClr val="accent1">
+              <a:shade val="15000"/>
+            </a:schemeClr>
+          </a:lnRef>
+          <a:fillRef idx="1">
+            <a:schemeClr val="accent1"/>
+          </a:fillRef>
+          <a:effectRef idx="0">
+            <a:schemeClr val="accent1"/>
+          </a:effectRef>
+          <a:fontRef idx="minor">
+            <a:schemeClr val="lt1"/>
+          </a:fontRef>
+        </p:style>
+        <p:txBody>
+          <a:bodyPr rtlCol="0" anchor="ctr"/>
+          <a:lstStyle/>
+          <a:p>
+            <a:pPr algn="ctr"/>
+            <a:r>
+              <a:rPr lang="en-US" altLang="ko-KR" sz="1600" dirty="0">
+                <a:solidFill>
+                  <a:schemeClr val="tx1"/>
+                </a:solidFill>
+              </a:rPr>
+              <a:t>Landing</a:t>
+            </a:r>
+            <a:endParaRPr lang="ko-KR" altLang="en-US" sz="1600" dirty="0">
+              <a:solidFill>
+                <a:schemeClr val="tx1"/>
+              </a:solidFill>
+            </a:endParaRPr>
+          </a:p>
+        </p:txBody>
+      </p:sp>
+      <p:sp>
+        <p:nvSpPr>
+          <p:cNvPr id="16" name="직사각형 15">
+            <a:extLst>
+              <a:ext uri="{FF2B5EF4-FFF2-40B4-BE49-F238E27FC236}">
+                <a16:creationId xmlns:a16="http://schemas.microsoft.com/office/drawing/2014/main" id="{61E8F927-BF99-AECE-14D8-C40C27ACD41E}"/>
+              </a:ext>
+            </a:extLst>
+          </p:cNvPr>
+          <p:cNvSpPr/>
+          <p:nvPr/>
+        </p:nvSpPr>
+        <p:spPr>
+          <a:xfrm>
+            <a:off x="7497416" y="5751080"/>
+            <a:ext cx="974035" cy="447261"/>
+          </a:xfrm>
+          <a:prstGeom prst="rect">
+            <a:avLst/>
+          </a:prstGeom>
+          <a:solidFill>
+            <a:schemeClr val="tx2">
+              <a:lumMod val="25000"/>
+              <a:lumOff val="75000"/>
+            </a:schemeClr>
+          </a:solidFill>
+        </p:spPr>
+        <p:style>
+          <a:lnRef idx="2">
+            <a:schemeClr val="accent1">
+              <a:shade val="15000"/>
+            </a:schemeClr>
+          </a:lnRef>
+          <a:fillRef idx="1">
+            <a:schemeClr val="accent1"/>
+          </a:fillRef>
+          <a:effectRef idx="0">
+            <a:schemeClr val="accent1"/>
+          </a:effectRef>
+          <a:fontRef idx="minor">
+            <a:schemeClr val="lt1"/>
+          </a:fontRef>
+        </p:style>
+        <p:txBody>
+          <a:bodyPr rtlCol="0" anchor="ctr"/>
+          <a:lstStyle/>
+          <a:p>
+            <a:pPr algn="ctr"/>
+            <a:r>
+              <a:rPr lang="en-US" altLang="ko-KR" sz="1600" dirty="0">
+                <a:solidFill>
+                  <a:schemeClr val="tx1"/>
+                </a:solidFill>
+              </a:rPr>
+              <a:t>Rolling</a:t>
+            </a:r>
+            <a:endParaRPr lang="ko-KR" altLang="en-US" sz="1600" dirty="0">
+              <a:solidFill>
+                <a:schemeClr val="tx1"/>
+              </a:solidFill>
+            </a:endParaRPr>
+          </a:p>
+        </p:txBody>
+      </p:sp>
       <p:cxnSp>
         <p:nvCxnSpPr>
-          <p:cNvPr id="52" name="직선 화살표 연결선 51">
-            <a:extLst>
-              <a:ext uri="{FF2B5EF4-FFF2-40B4-BE49-F238E27FC236}">
-                <a16:creationId xmlns:a16="http://schemas.microsoft.com/office/drawing/2014/main" id="{000877F3-38A2-1272-E7CB-BFF167092C5D}"/>
+          <p:cNvPr id="17" name="연결선: 꺾임 16">
+            <a:extLst>
+              <a:ext uri="{FF2B5EF4-FFF2-40B4-BE49-F238E27FC236}">
+                <a16:creationId xmlns:a16="http://schemas.microsoft.com/office/drawing/2014/main" id="{AC36C3A3-E273-47C2-A21A-C89702225394}"/>
               </a:ext>
             </a:extLst>
           </p:cNvPr>
           <p:cNvCxnSpPr>
             <a:cxnSpLocks/>
+            <a:endCxn id="16" idx="2"/>
           </p:cNvCxnSpPr>
           <p:nvPr/>
         </p:nvCxnSpPr>
         <p:spPr>
           <a:xfrm>
-            <a:off x="5743160" y="4071367"/>
-            <a:ext cx="955814" cy="0"/>
+            <a:off x="6612831" y="5516862"/>
+            <a:ext cx="1371603" cy="681479"/>
+          </a:xfrm>
+          <a:prstGeom prst="bentConnector4">
+            <a:avLst>
+              <a:gd name="adj1" fmla="val 362"/>
+              <a:gd name="adj2" fmla="val 133545"/>
+            </a:avLst>
+          </a:prstGeom>
+          <a:ln>
+            <a:solidFill>
+              <a:schemeClr val="bg1"/>
+            </a:solidFill>
+            <a:tailEnd type="triangle"/>
+          </a:ln>
+        </p:spPr>
+        <p:style>
+          <a:lnRef idx="2">
+            <a:schemeClr val="accent1"/>
+          </a:lnRef>
+          <a:fillRef idx="0">
+            <a:schemeClr val="accent1"/>
+          </a:fillRef>
+          <a:effectRef idx="1">
+            <a:schemeClr val="accent1"/>
+          </a:effectRef>
+          <a:fontRef idx="minor">
+            <a:schemeClr val="tx1"/>
+          </a:fontRef>
+        </p:style>
+      </p:cxnSp>
+      <p:cxnSp>
+        <p:nvCxnSpPr>
+          <p:cNvPr id="28" name="직선 화살표 연결선 27">
+            <a:extLst>
+              <a:ext uri="{FF2B5EF4-FFF2-40B4-BE49-F238E27FC236}">
+                <a16:creationId xmlns:a16="http://schemas.microsoft.com/office/drawing/2014/main" id="{51281B94-BD69-CE29-CCDE-2645F10966A6}"/>
+              </a:ext>
+            </a:extLst>
+          </p:cNvPr>
+          <p:cNvCxnSpPr>
+            <a:cxnSpLocks/>
+            <a:stCxn id="16" idx="0"/>
+          </p:cNvCxnSpPr>
+          <p:nvPr/>
+        </p:nvCxnSpPr>
+        <p:spPr>
+          <a:xfrm flipV="1">
+            <a:off x="7984434" y="5218041"/>
+            <a:ext cx="0" cy="533039"/>
           </a:xfrm>
           <a:prstGeom prst="straightConnector1">
             <a:avLst/>
@@ -5183,6 +5452,2167 @@
           </a:fontRef>
         </p:style>
       </p:cxnSp>
+      <p:sp>
+        <p:nvSpPr>
+          <p:cNvPr id="33" name="직사각형 32">
+            <a:extLst>
+              <a:ext uri="{FF2B5EF4-FFF2-40B4-BE49-F238E27FC236}">
+                <a16:creationId xmlns:a16="http://schemas.microsoft.com/office/drawing/2014/main" id="{749A275A-556E-7AEE-96F8-39A2C42FEC9D}"/>
+              </a:ext>
+            </a:extLst>
+          </p:cNvPr>
+          <p:cNvSpPr/>
+          <p:nvPr/>
+        </p:nvSpPr>
+        <p:spPr>
+          <a:xfrm>
+            <a:off x="4861890" y="3892461"/>
+            <a:ext cx="974035" cy="447261"/>
+          </a:xfrm>
+          <a:prstGeom prst="rect">
+            <a:avLst/>
+          </a:prstGeom>
+          <a:solidFill>
+            <a:schemeClr val="tx2">
+              <a:lumMod val="25000"/>
+              <a:lumOff val="75000"/>
+            </a:schemeClr>
+          </a:solidFill>
+        </p:spPr>
+        <p:style>
+          <a:lnRef idx="2">
+            <a:schemeClr val="accent1">
+              <a:shade val="15000"/>
+            </a:schemeClr>
+          </a:lnRef>
+          <a:fillRef idx="1">
+            <a:schemeClr val="accent1"/>
+          </a:fillRef>
+          <a:effectRef idx="0">
+            <a:schemeClr val="accent1"/>
+          </a:effectRef>
+          <a:fontRef idx="minor">
+            <a:schemeClr val="lt1"/>
+          </a:fontRef>
+        </p:style>
+        <p:txBody>
+          <a:bodyPr rtlCol="0" anchor="ctr"/>
+          <a:lstStyle/>
+          <a:p>
+            <a:pPr algn="ctr"/>
+            <a:r>
+              <a:rPr lang="en-US" altLang="ko-KR" sz="1400" dirty="0">
+                <a:solidFill>
+                  <a:schemeClr val="tx1"/>
+                </a:solidFill>
+              </a:rPr>
+              <a:t>Highest</a:t>
+            </a:r>
+          </a:p>
+          <a:p>
+            <a:pPr algn="ctr"/>
+            <a:r>
+              <a:rPr lang="en-US" altLang="ko-KR" sz="1400" dirty="0">
+                <a:solidFill>
+                  <a:schemeClr val="tx1"/>
+                </a:solidFill>
+              </a:rPr>
+              <a:t>Attack</a:t>
+            </a:r>
+            <a:endParaRPr lang="ko-KR" altLang="en-US" sz="1400" dirty="0">
+              <a:solidFill>
+                <a:schemeClr val="tx1"/>
+              </a:solidFill>
+            </a:endParaRPr>
+          </a:p>
+        </p:txBody>
+      </p:sp>
+      <p:sp>
+        <p:nvSpPr>
+          <p:cNvPr id="34" name="직사각형 33">
+            <a:extLst>
+              <a:ext uri="{FF2B5EF4-FFF2-40B4-BE49-F238E27FC236}">
+                <a16:creationId xmlns:a16="http://schemas.microsoft.com/office/drawing/2014/main" id="{F9108B28-EC37-67C2-EE64-20D20C3FBC6F}"/>
+              </a:ext>
+            </a:extLst>
+          </p:cNvPr>
+          <p:cNvSpPr/>
+          <p:nvPr/>
+        </p:nvSpPr>
+        <p:spPr>
+          <a:xfrm>
+            <a:off x="4861889" y="4557944"/>
+            <a:ext cx="974035" cy="447261"/>
+          </a:xfrm>
+          <a:prstGeom prst="rect">
+            <a:avLst/>
+          </a:prstGeom>
+          <a:solidFill>
+            <a:schemeClr val="tx2">
+              <a:lumMod val="25000"/>
+              <a:lumOff val="75000"/>
+            </a:schemeClr>
+          </a:solidFill>
+        </p:spPr>
+        <p:style>
+          <a:lnRef idx="2">
+            <a:schemeClr val="accent1">
+              <a:shade val="15000"/>
+            </a:schemeClr>
+          </a:lnRef>
+          <a:fillRef idx="1">
+            <a:schemeClr val="accent1"/>
+          </a:fillRef>
+          <a:effectRef idx="0">
+            <a:schemeClr val="accent1"/>
+          </a:effectRef>
+          <a:fontRef idx="minor">
+            <a:schemeClr val="lt1"/>
+          </a:fontRef>
+        </p:style>
+        <p:txBody>
+          <a:bodyPr rtlCol="0" anchor="ctr"/>
+          <a:lstStyle/>
+          <a:p>
+            <a:pPr algn="ctr"/>
+            <a:r>
+              <a:rPr lang="en-US" altLang="ko-KR" sz="1600" dirty="0">
+                <a:solidFill>
+                  <a:schemeClr val="tx1"/>
+                </a:solidFill>
+              </a:rPr>
+              <a:t>Falling</a:t>
+            </a:r>
+          </a:p>
+          <a:p>
+            <a:pPr algn="ctr"/>
+            <a:r>
+              <a:rPr lang="en-US" altLang="ko-KR" sz="1600" dirty="0">
+                <a:solidFill>
+                  <a:schemeClr val="tx1"/>
+                </a:solidFill>
+              </a:rPr>
+              <a:t>Attack</a:t>
+            </a:r>
+            <a:endParaRPr lang="ko-KR" altLang="en-US" sz="1600" dirty="0">
+              <a:solidFill>
+                <a:schemeClr val="tx1"/>
+              </a:solidFill>
+            </a:endParaRPr>
+          </a:p>
+        </p:txBody>
+      </p:sp>
+      <p:cxnSp>
+        <p:nvCxnSpPr>
+          <p:cNvPr id="35" name="직선 화살표 연결선 34">
+            <a:extLst>
+              <a:ext uri="{FF2B5EF4-FFF2-40B4-BE49-F238E27FC236}">
+                <a16:creationId xmlns:a16="http://schemas.microsoft.com/office/drawing/2014/main" id="{39E329EE-FB95-72F1-97DF-4807989D2714}"/>
+              </a:ext>
+            </a:extLst>
+          </p:cNvPr>
+          <p:cNvCxnSpPr>
+            <a:cxnSpLocks/>
+            <a:stCxn id="26" idx="1"/>
+            <a:endCxn id="33" idx="3"/>
+          </p:cNvCxnSpPr>
+          <p:nvPr/>
+        </p:nvCxnSpPr>
+        <p:spPr>
+          <a:xfrm flipH="1" flipV="1">
+            <a:off x="5835925" y="4116092"/>
+            <a:ext cx="288235" cy="1"/>
+          </a:xfrm>
+          <a:prstGeom prst="straightConnector1">
+            <a:avLst/>
+          </a:prstGeom>
+          <a:ln>
+            <a:solidFill>
+              <a:schemeClr val="bg2"/>
+            </a:solidFill>
+            <a:tailEnd type="triangle"/>
+          </a:ln>
+        </p:spPr>
+        <p:style>
+          <a:lnRef idx="2">
+            <a:schemeClr val="accent1"/>
+          </a:lnRef>
+          <a:fillRef idx="0">
+            <a:schemeClr val="accent1"/>
+          </a:fillRef>
+          <a:effectRef idx="1">
+            <a:schemeClr val="accent1"/>
+          </a:effectRef>
+          <a:fontRef idx="minor">
+            <a:schemeClr val="tx1"/>
+          </a:fontRef>
+        </p:style>
+      </p:cxnSp>
+      <p:cxnSp>
+        <p:nvCxnSpPr>
+          <p:cNvPr id="40" name="직선 화살표 연결선 39">
+            <a:extLst>
+              <a:ext uri="{FF2B5EF4-FFF2-40B4-BE49-F238E27FC236}">
+                <a16:creationId xmlns:a16="http://schemas.microsoft.com/office/drawing/2014/main" id="{23A8FC0F-2CA2-1053-5171-F96B5653A6BA}"/>
+              </a:ext>
+            </a:extLst>
+          </p:cNvPr>
+          <p:cNvCxnSpPr>
+            <a:cxnSpLocks/>
+            <a:stCxn id="27" idx="1"/>
+            <a:endCxn id="33" idx="3"/>
+          </p:cNvCxnSpPr>
+          <p:nvPr/>
+        </p:nvCxnSpPr>
+        <p:spPr>
+          <a:xfrm flipH="1" flipV="1">
+            <a:off x="5835925" y="4116092"/>
+            <a:ext cx="288235" cy="642369"/>
+          </a:xfrm>
+          <a:prstGeom prst="straightConnector1">
+            <a:avLst/>
+          </a:prstGeom>
+          <a:ln>
+            <a:solidFill>
+              <a:schemeClr val="bg2"/>
+            </a:solidFill>
+            <a:tailEnd type="triangle"/>
+          </a:ln>
+        </p:spPr>
+        <p:style>
+          <a:lnRef idx="2">
+            <a:schemeClr val="accent1"/>
+          </a:lnRef>
+          <a:fillRef idx="0">
+            <a:schemeClr val="accent1"/>
+          </a:fillRef>
+          <a:effectRef idx="1">
+            <a:schemeClr val="accent1"/>
+          </a:effectRef>
+          <a:fontRef idx="minor">
+            <a:schemeClr val="tx1"/>
+          </a:fontRef>
+        </p:style>
+      </p:cxnSp>
+      <p:cxnSp>
+        <p:nvCxnSpPr>
+          <p:cNvPr id="48" name="직선 화살표 연결선 47">
+            <a:extLst>
+              <a:ext uri="{FF2B5EF4-FFF2-40B4-BE49-F238E27FC236}">
+                <a16:creationId xmlns:a16="http://schemas.microsoft.com/office/drawing/2014/main" id="{2A3F4E90-4BAC-F398-330D-A7A267A4E9DE}"/>
+              </a:ext>
+            </a:extLst>
+          </p:cNvPr>
+          <p:cNvCxnSpPr>
+            <a:cxnSpLocks/>
+            <a:stCxn id="26" idx="1"/>
+            <a:endCxn id="34" idx="3"/>
+          </p:cNvCxnSpPr>
+          <p:nvPr/>
+        </p:nvCxnSpPr>
+        <p:spPr>
+          <a:xfrm flipH="1">
+            <a:off x="5835924" y="4116093"/>
+            <a:ext cx="288236" cy="665482"/>
+          </a:xfrm>
+          <a:prstGeom prst="straightConnector1">
+            <a:avLst/>
+          </a:prstGeom>
+          <a:ln>
+            <a:solidFill>
+              <a:schemeClr val="bg2"/>
+            </a:solidFill>
+            <a:tailEnd type="triangle"/>
+          </a:ln>
+        </p:spPr>
+        <p:style>
+          <a:lnRef idx="2">
+            <a:schemeClr val="accent1"/>
+          </a:lnRef>
+          <a:fillRef idx="0">
+            <a:schemeClr val="accent1"/>
+          </a:fillRef>
+          <a:effectRef idx="1">
+            <a:schemeClr val="accent1"/>
+          </a:effectRef>
+          <a:fontRef idx="minor">
+            <a:schemeClr val="tx1"/>
+          </a:fontRef>
+        </p:style>
+      </p:cxnSp>
+      <p:cxnSp>
+        <p:nvCxnSpPr>
+          <p:cNvPr id="53" name="직선 화살표 연결선 52">
+            <a:extLst>
+              <a:ext uri="{FF2B5EF4-FFF2-40B4-BE49-F238E27FC236}">
+                <a16:creationId xmlns:a16="http://schemas.microsoft.com/office/drawing/2014/main" id="{B5C43224-BA77-E7DA-2CDF-7A9AA44AD546}"/>
+              </a:ext>
+            </a:extLst>
+          </p:cNvPr>
+          <p:cNvCxnSpPr>
+            <a:cxnSpLocks/>
+            <a:stCxn id="27" idx="1"/>
+          </p:cNvCxnSpPr>
+          <p:nvPr/>
+        </p:nvCxnSpPr>
+        <p:spPr>
+          <a:xfrm flipH="1">
+            <a:off x="5835924" y="4758461"/>
+            <a:ext cx="288236" cy="0"/>
+          </a:xfrm>
+          <a:prstGeom prst="straightConnector1">
+            <a:avLst/>
+          </a:prstGeom>
+          <a:ln>
+            <a:solidFill>
+              <a:schemeClr val="bg2"/>
+            </a:solidFill>
+            <a:tailEnd type="triangle"/>
+          </a:ln>
+        </p:spPr>
+        <p:style>
+          <a:lnRef idx="2">
+            <a:schemeClr val="accent1"/>
+          </a:lnRef>
+          <a:fillRef idx="0">
+            <a:schemeClr val="accent1"/>
+          </a:fillRef>
+          <a:effectRef idx="1">
+            <a:schemeClr val="accent1"/>
+          </a:effectRef>
+          <a:fontRef idx="minor">
+            <a:schemeClr val="tx1"/>
+          </a:fontRef>
+        </p:style>
+      </p:cxnSp>
+      <p:cxnSp>
+        <p:nvCxnSpPr>
+          <p:cNvPr id="58" name="연결선: 꺾임 57">
+            <a:extLst>
+              <a:ext uri="{FF2B5EF4-FFF2-40B4-BE49-F238E27FC236}">
+                <a16:creationId xmlns:a16="http://schemas.microsoft.com/office/drawing/2014/main" id="{C305F051-666B-17A0-AD9B-B3C8CE6F5255}"/>
+              </a:ext>
+            </a:extLst>
+          </p:cNvPr>
+          <p:cNvCxnSpPr>
+            <a:cxnSpLocks/>
+            <a:stCxn id="33" idx="1"/>
+            <a:endCxn id="15" idx="1"/>
+          </p:cNvCxnSpPr>
+          <p:nvPr/>
+        </p:nvCxnSpPr>
+        <p:spPr>
+          <a:xfrm rot="10800000" flipH="1" flipV="1">
+            <a:off x="4861890" y="4116091"/>
+            <a:ext cx="1262270" cy="1191403"/>
+          </a:xfrm>
+          <a:prstGeom prst="bentConnector3">
+            <a:avLst>
+              <a:gd name="adj1" fmla="val -18110"/>
+            </a:avLst>
+          </a:prstGeom>
+          <a:ln>
+            <a:solidFill>
+              <a:schemeClr val="bg1"/>
+            </a:solidFill>
+            <a:tailEnd type="triangle"/>
+          </a:ln>
+        </p:spPr>
+        <p:style>
+          <a:lnRef idx="2">
+            <a:schemeClr val="accent1"/>
+          </a:lnRef>
+          <a:fillRef idx="0">
+            <a:schemeClr val="accent1"/>
+          </a:fillRef>
+          <a:effectRef idx="1">
+            <a:schemeClr val="accent1"/>
+          </a:effectRef>
+          <a:fontRef idx="minor">
+            <a:schemeClr val="tx1"/>
+          </a:fontRef>
+        </p:style>
+      </p:cxnSp>
+      <p:cxnSp>
+        <p:nvCxnSpPr>
+          <p:cNvPr id="61" name="직선 화살표 연결선 60">
+            <a:extLst>
+              <a:ext uri="{FF2B5EF4-FFF2-40B4-BE49-F238E27FC236}">
+                <a16:creationId xmlns:a16="http://schemas.microsoft.com/office/drawing/2014/main" id="{FF1FC0AF-455D-9BCA-1DFA-40625EF619EE}"/>
+              </a:ext>
+            </a:extLst>
+          </p:cNvPr>
+          <p:cNvCxnSpPr>
+            <a:cxnSpLocks/>
+          </p:cNvCxnSpPr>
+          <p:nvPr/>
+        </p:nvCxnSpPr>
+        <p:spPr>
+          <a:xfrm flipH="1">
+            <a:off x="4653167" y="4786542"/>
+            <a:ext cx="230254" cy="0"/>
+          </a:xfrm>
+          <a:prstGeom prst="straightConnector1">
+            <a:avLst/>
+          </a:prstGeom>
+          <a:ln>
+            <a:solidFill>
+              <a:schemeClr val="bg2"/>
+            </a:solidFill>
+            <a:tailEnd type="triangle"/>
+          </a:ln>
+        </p:spPr>
+        <p:style>
+          <a:lnRef idx="2">
+            <a:schemeClr val="accent1"/>
+          </a:lnRef>
+          <a:fillRef idx="0">
+            <a:schemeClr val="accent1"/>
+          </a:fillRef>
+          <a:effectRef idx="1">
+            <a:schemeClr val="accent1"/>
+          </a:effectRef>
+          <a:fontRef idx="minor">
+            <a:schemeClr val="tx1"/>
+          </a:fontRef>
+        </p:style>
+      </p:cxnSp>
+      <p:sp>
+        <p:nvSpPr>
+          <p:cNvPr id="63" name="직사각형 62">
+            <a:extLst>
+              <a:ext uri="{FF2B5EF4-FFF2-40B4-BE49-F238E27FC236}">
+                <a16:creationId xmlns:a16="http://schemas.microsoft.com/office/drawing/2014/main" id="{DA758210-4464-B3A3-55A3-D88D84E0F978}"/>
+              </a:ext>
+            </a:extLst>
+          </p:cNvPr>
+          <p:cNvSpPr/>
+          <p:nvPr/>
+        </p:nvSpPr>
+        <p:spPr>
+          <a:xfrm>
+            <a:off x="289891" y="1416324"/>
+            <a:ext cx="2822713" cy="5247861"/>
+          </a:xfrm>
+          <a:prstGeom prst="rect">
+            <a:avLst/>
+          </a:prstGeom>
+          <a:solidFill>
+            <a:schemeClr val="accent1">
+              <a:lumMod val="75000"/>
+            </a:schemeClr>
+          </a:solidFill>
+        </p:spPr>
+        <p:style>
+          <a:lnRef idx="2">
+            <a:schemeClr val="accent1">
+              <a:shade val="15000"/>
+            </a:schemeClr>
+          </a:lnRef>
+          <a:fillRef idx="1">
+            <a:schemeClr val="accent1"/>
+          </a:fillRef>
+          <a:effectRef idx="0">
+            <a:schemeClr val="accent1"/>
+          </a:effectRef>
+          <a:fontRef idx="minor">
+            <a:schemeClr val="lt1"/>
+          </a:fontRef>
+        </p:style>
+        <p:txBody>
+          <a:bodyPr rtlCol="0" anchor="ctr"/>
+          <a:lstStyle/>
+          <a:p>
+            <a:pPr algn="ctr"/>
+            <a:endParaRPr lang="ko-KR" altLang="en-US"/>
+          </a:p>
+        </p:txBody>
+      </p:sp>
+      <p:sp>
+        <p:nvSpPr>
+          <p:cNvPr id="65" name="TextBox 64">
+            <a:extLst>
+              <a:ext uri="{FF2B5EF4-FFF2-40B4-BE49-F238E27FC236}">
+                <a16:creationId xmlns:a16="http://schemas.microsoft.com/office/drawing/2014/main" id="{E62BBF09-D7EA-B86A-3E23-E44A1DF28D32}"/>
+              </a:ext>
+            </a:extLst>
+          </p:cNvPr>
+          <p:cNvSpPr txBox="1"/>
+          <p:nvPr/>
+        </p:nvSpPr>
+        <p:spPr>
+          <a:xfrm>
+            <a:off x="3289851" y="5932184"/>
+            <a:ext cx="4949687" cy="646331"/>
+          </a:xfrm>
+          <a:prstGeom prst="rect">
+            <a:avLst/>
+          </a:prstGeom>
+          <a:noFill/>
+        </p:spPr>
+        <p:txBody>
+          <a:bodyPr wrap="square" rtlCol="0">
+            <a:spAutoFit/>
+          </a:bodyPr>
+          <a:lstStyle/>
+          <a:p>
+            <a:r>
+              <a:rPr lang="ko-KR" altLang="en-US" sz="1800" dirty="0">
+                <a:solidFill>
+                  <a:schemeClr val="bg1"/>
+                </a:solidFill>
+              </a:rPr>
+              <a:t>플레이어의 상태</a:t>
+            </a:r>
+            <a:endParaRPr lang="en-US" altLang="ko-KR" sz="1800" dirty="0">
+              <a:solidFill>
+                <a:schemeClr val="bg1"/>
+              </a:solidFill>
+            </a:endParaRPr>
+          </a:p>
+          <a:p>
+            <a:r>
+              <a:rPr lang="en-US" altLang="ko-KR" sz="1800" dirty="0">
+                <a:solidFill>
+                  <a:schemeClr val="bg1"/>
+                </a:solidFill>
+              </a:rPr>
+              <a:t>(</a:t>
+            </a:r>
+            <a:r>
+              <a:rPr lang="ko-KR" altLang="en-US" sz="1800" dirty="0">
+                <a:solidFill>
+                  <a:schemeClr val="bg1"/>
+                </a:solidFill>
+              </a:rPr>
+              <a:t>이동</a:t>
+            </a:r>
+            <a:r>
+              <a:rPr lang="en-US" altLang="ko-KR" sz="1800" dirty="0">
+                <a:solidFill>
+                  <a:schemeClr val="bg1"/>
+                </a:solidFill>
+              </a:rPr>
+              <a:t>, </a:t>
+            </a:r>
+            <a:r>
+              <a:rPr lang="ko-KR" altLang="en-US" sz="1800" dirty="0">
+                <a:solidFill>
+                  <a:schemeClr val="bg1"/>
+                </a:solidFill>
+              </a:rPr>
+              <a:t>점프 및 점프 공격</a:t>
+            </a:r>
+            <a:r>
+              <a:rPr lang="en-US" altLang="ko-KR" sz="1800" dirty="0">
+                <a:solidFill>
+                  <a:schemeClr val="bg1"/>
+                </a:solidFill>
+              </a:rPr>
+              <a:t>, </a:t>
+            </a:r>
+            <a:r>
+              <a:rPr lang="ko-KR" altLang="en-US" sz="1800" dirty="0">
+                <a:solidFill>
+                  <a:schemeClr val="bg1"/>
+                </a:solidFill>
+              </a:rPr>
+              <a:t>대기</a:t>
+            </a:r>
+            <a:r>
+              <a:rPr lang="en-US" altLang="ko-KR" sz="1800" dirty="0">
+                <a:solidFill>
+                  <a:schemeClr val="bg1"/>
+                </a:solidFill>
+              </a:rPr>
+              <a:t>)</a:t>
+            </a:r>
+            <a:endParaRPr lang="ko-KR" altLang="en-US" dirty="0">
+              <a:solidFill>
+                <a:schemeClr val="bg1"/>
+              </a:solidFill>
+            </a:endParaRPr>
+          </a:p>
+        </p:txBody>
+      </p:sp>
+      <p:sp>
+        <p:nvSpPr>
+          <p:cNvPr id="66" name="TextBox 65">
+            <a:extLst>
+              <a:ext uri="{FF2B5EF4-FFF2-40B4-BE49-F238E27FC236}">
+                <a16:creationId xmlns:a16="http://schemas.microsoft.com/office/drawing/2014/main" id="{067EF15F-FF7F-69DE-1A39-69F282FADBE9}"/>
+              </a:ext>
+            </a:extLst>
+          </p:cNvPr>
+          <p:cNvSpPr txBox="1"/>
+          <p:nvPr/>
+        </p:nvSpPr>
+        <p:spPr>
+          <a:xfrm>
+            <a:off x="304801" y="5974710"/>
+            <a:ext cx="2445026" cy="646331"/>
+          </a:xfrm>
+          <a:prstGeom prst="rect">
+            <a:avLst/>
+          </a:prstGeom>
+          <a:noFill/>
+        </p:spPr>
+        <p:txBody>
+          <a:bodyPr wrap="square" rtlCol="0">
+            <a:spAutoFit/>
+          </a:bodyPr>
+          <a:lstStyle/>
+          <a:p>
+            <a:r>
+              <a:rPr lang="ko-KR" altLang="en-US" sz="1800" dirty="0">
+                <a:solidFill>
+                  <a:schemeClr val="bg1"/>
+                </a:solidFill>
+              </a:rPr>
+              <a:t>플레이어의 상태</a:t>
+            </a:r>
+            <a:endParaRPr lang="en-US" altLang="ko-KR" sz="1800" dirty="0">
+              <a:solidFill>
+                <a:schemeClr val="bg1"/>
+              </a:solidFill>
+            </a:endParaRPr>
+          </a:p>
+          <a:p>
+            <a:r>
+              <a:rPr lang="en-US" altLang="ko-KR" sz="1800" dirty="0">
+                <a:solidFill>
+                  <a:schemeClr val="bg1"/>
+                </a:solidFill>
+              </a:rPr>
+              <a:t>(</a:t>
+            </a:r>
+            <a:r>
+              <a:rPr lang="ko-KR" altLang="en-US" dirty="0">
+                <a:solidFill>
+                  <a:schemeClr val="bg1"/>
+                </a:solidFill>
+              </a:rPr>
+              <a:t>공격</a:t>
+            </a:r>
+            <a:r>
+              <a:rPr lang="en-US" altLang="ko-KR" sz="1800" dirty="0">
+                <a:solidFill>
+                  <a:schemeClr val="bg1"/>
+                </a:solidFill>
+              </a:rPr>
+              <a:t>)</a:t>
+            </a:r>
+            <a:endParaRPr lang="ko-KR" altLang="en-US" dirty="0">
+              <a:solidFill>
+                <a:schemeClr val="bg1"/>
+              </a:solidFill>
+            </a:endParaRPr>
+          </a:p>
+        </p:txBody>
+      </p:sp>
+      <p:sp>
+        <p:nvSpPr>
+          <p:cNvPr id="67" name="직사각형 66">
+            <a:extLst>
+              <a:ext uri="{FF2B5EF4-FFF2-40B4-BE49-F238E27FC236}">
+                <a16:creationId xmlns:a16="http://schemas.microsoft.com/office/drawing/2014/main" id="{97FE09E2-0720-EC8F-CE92-48067A32B4DB}"/>
+              </a:ext>
+            </a:extLst>
+          </p:cNvPr>
+          <p:cNvSpPr/>
+          <p:nvPr/>
+        </p:nvSpPr>
+        <p:spPr>
+          <a:xfrm>
+            <a:off x="404191" y="1554178"/>
+            <a:ext cx="1028700" cy="447261"/>
+          </a:xfrm>
+          <a:prstGeom prst="rect">
+            <a:avLst/>
+          </a:prstGeom>
+          <a:solidFill>
+            <a:schemeClr val="tx2">
+              <a:lumMod val="25000"/>
+              <a:lumOff val="75000"/>
+            </a:schemeClr>
+          </a:solidFill>
+        </p:spPr>
+        <p:style>
+          <a:lnRef idx="2">
+            <a:schemeClr val="accent1">
+              <a:shade val="15000"/>
+            </a:schemeClr>
+          </a:lnRef>
+          <a:fillRef idx="1">
+            <a:schemeClr val="accent1"/>
+          </a:fillRef>
+          <a:effectRef idx="0">
+            <a:schemeClr val="accent1"/>
+          </a:effectRef>
+          <a:fontRef idx="minor">
+            <a:schemeClr val="lt1"/>
+          </a:fontRef>
+        </p:style>
+        <p:txBody>
+          <a:bodyPr rtlCol="0" anchor="ctr"/>
+          <a:lstStyle/>
+          <a:p>
+            <a:pPr algn="ctr"/>
+            <a:r>
+              <a:rPr lang="en-US" altLang="ko-KR" sz="1200" dirty="0">
+                <a:solidFill>
+                  <a:schemeClr val="tx1"/>
+                </a:solidFill>
+              </a:rPr>
+              <a:t>Idle</a:t>
+            </a:r>
+          </a:p>
+          <a:p>
+            <a:pPr algn="ctr"/>
+            <a:r>
+              <a:rPr lang="en-US" altLang="ko-KR" sz="1200" dirty="0">
+                <a:solidFill>
+                  <a:schemeClr val="tx1"/>
+                </a:solidFill>
+              </a:rPr>
+              <a:t>(or</a:t>
+            </a:r>
+            <a:r>
+              <a:rPr lang="ko-KR" altLang="en-US" sz="1200" dirty="0">
+                <a:solidFill>
+                  <a:schemeClr val="tx1"/>
+                </a:solidFill>
+              </a:rPr>
+              <a:t> </a:t>
+            </a:r>
+            <a:r>
+              <a:rPr lang="en-US" altLang="ko-KR" sz="1200" dirty="0">
+                <a:solidFill>
+                  <a:schemeClr val="tx1"/>
+                </a:solidFill>
+              </a:rPr>
+              <a:t>Move)</a:t>
+            </a:r>
+            <a:endParaRPr lang="ko-KR" altLang="en-US" sz="1200" dirty="0">
+              <a:solidFill>
+                <a:schemeClr val="tx1"/>
+              </a:solidFill>
+            </a:endParaRPr>
+          </a:p>
+        </p:txBody>
+      </p:sp>
+      <p:sp>
+        <p:nvSpPr>
+          <p:cNvPr id="68" name="직사각형 67">
+            <a:extLst>
+              <a:ext uri="{FF2B5EF4-FFF2-40B4-BE49-F238E27FC236}">
+                <a16:creationId xmlns:a16="http://schemas.microsoft.com/office/drawing/2014/main" id="{3F3D12D2-BA03-0B82-567E-0130C7613C24}"/>
+              </a:ext>
+            </a:extLst>
+          </p:cNvPr>
+          <p:cNvSpPr/>
+          <p:nvPr/>
+        </p:nvSpPr>
+        <p:spPr>
+          <a:xfrm>
+            <a:off x="404191" y="2424958"/>
+            <a:ext cx="1028700" cy="447261"/>
+          </a:xfrm>
+          <a:prstGeom prst="rect">
+            <a:avLst/>
+          </a:prstGeom>
+          <a:solidFill>
+            <a:schemeClr val="tx2">
+              <a:lumMod val="25000"/>
+              <a:lumOff val="75000"/>
+            </a:schemeClr>
+          </a:solidFill>
+        </p:spPr>
+        <p:style>
+          <a:lnRef idx="2">
+            <a:schemeClr val="accent1">
+              <a:shade val="15000"/>
+            </a:schemeClr>
+          </a:lnRef>
+          <a:fillRef idx="1">
+            <a:schemeClr val="accent1"/>
+          </a:fillRef>
+          <a:effectRef idx="0">
+            <a:schemeClr val="accent1"/>
+          </a:effectRef>
+          <a:fontRef idx="minor">
+            <a:schemeClr val="lt1"/>
+          </a:fontRef>
+        </p:style>
+        <p:txBody>
+          <a:bodyPr rtlCol="0" anchor="ctr"/>
+          <a:lstStyle/>
+          <a:p>
+            <a:pPr algn="ctr"/>
+            <a:r>
+              <a:rPr lang="en-US" altLang="ko-KR" sz="1200" dirty="0" err="1">
+                <a:solidFill>
+                  <a:schemeClr val="tx1"/>
+                </a:solidFill>
+              </a:rPr>
+              <a:t>StartAttack</a:t>
+            </a:r>
+            <a:endParaRPr lang="ko-KR" altLang="en-US" sz="1200" dirty="0">
+              <a:solidFill>
+                <a:schemeClr val="tx1"/>
+              </a:solidFill>
+            </a:endParaRPr>
+          </a:p>
+        </p:txBody>
+      </p:sp>
+      <p:sp>
+        <p:nvSpPr>
+          <p:cNvPr id="69" name="직사각형 68">
+            <a:extLst>
+              <a:ext uri="{FF2B5EF4-FFF2-40B4-BE49-F238E27FC236}">
+                <a16:creationId xmlns:a16="http://schemas.microsoft.com/office/drawing/2014/main" id="{F0433D40-EC6A-D0DC-8BCB-BD24AE1ABF54}"/>
+              </a:ext>
+            </a:extLst>
+          </p:cNvPr>
+          <p:cNvSpPr/>
+          <p:nvPr/>
+        </p:nvSpPr>
+        <p:spPr>
+          <a:xfrm>
+            <a:off x="404191" y="3295738"/>
+            <a:ext cx="1028700" cy="447261"/>
+          </a:xfrm>
+          <a:prstGeom prst="rect">
+            <a:avLst/>
+          </a:prstGeom>
+          <a:solidFill>
+            <a:schemeClr val="tx2">
+              <a:lumMod val="25000"/>
+              <a:lumOff val="75000"/>
+            </a:schemeClr>
+          </a:solidFill>
+        </p:spPr>
+        <p:style>
+          <a:lnRef idx="2">
+            <a:schemeClr val="accent1">
+              <a:shade val="15000"/>
+            </a:schemeClr>
+          </a:lnRef>
+          <a:fillRef idx="1">
+            <a:schemeClr val="accent1"/>
+          </a:fillRef>
+          <a:effectRef idx="0">
+            <a:schemeClr val="accent1"/>
+          </a:effectRef>
+          <a:fontRef idx="minor">
+            <a:schemeClr val="lt1"/>
+          </a:fontRef>
+        </p:style>
+        <p:txBody>
+          <a:bodyPr rtlCol="0" anchor="ctr"/>
+          <a:lstStyle/>
+          <a:p>
+            <a:pPr algn="ctr"/>
+            <a:r>
+              <a:rPr lang="en-US" altLang="ko-KR" sz="1200" dirty="0" err="1">
+                <a:solidFill>
+                  <a:schemeClr val="tx1"/>
+                </a:solidFill>
+              </a:rPr>
+              <a:t>StartMiddleAttack</a:t>
+            </a:r>
+            <a:endParaRPr lang="ko-KR" altLang="en-US" sz="1200" dirty="0">
+              <a:solidFill>
+                <a:schemeClr val="tx1"/>
+              </a:solidFill>
+            </a:endParaRPr>
+          </a:p>
+        </p:txBody>
+      </p:sp>
+      <p:sp>
+        <p:nvSpPr>
+          <p:cNvPr id="70" name="직사각형 69">
+            <a:extLst>
+              <a:ext uri="{FF2B5EF4-FFF2-40B4-BE49-F238E27FC236}">
+                <a16:creationId xmlns:a16="http://schemas.microsoft.com/office/drawing/2014/main" id="{361B614B-8AF7-3220-4CFD-6F8B68E8B86D}"/>
+              </a:ext>
+            </a:extLst>
+          </p:cNvPr>
+          <p:cNvSpPr/>
+          <p:nvPr/>
+        </p:nvSpPr>
+        <p:spPr>
+          <a:xfrm>
+            <a:off x="404191" y="4166518"/>
+            <a:ext cx="1028700" cy="447261"/>
+          </a:xfrm>
+          <a:prstGeom prst="rect">
+            <a:avLst/>
+          </a:prstGeom>
+          <a:solidFill>
+            <a:schemeClr val="tx2">
+              <a:lumMod val="25000"/>
+              <a:lumOff val="75000"/>
+            </a:schemeClr>
+          </a:solidFill>
+        </p:spPr>
+        <p:style>
+          <a:lnRef idx="2">
+            <a:schemeClr val="accent1">
+              <a:shade val="15000"/>
+            </a:schemeClr>
+          </a:lnRef>
+          <a:fillRef idx="1">
+            <a:schemeClr val="accent1"/>
+          </a:fillRef>
+          <a:effectRef idx="0">
+            <a:schemeClr val="accent1"/>
+          </a:effectRef>
+          <a:fontRef idx="minor">
+            <a:schemeClr val="lt1"/>
+          </a:fontRef>
+        </p:style>
+        <p:txBody>
+          <a:bodyPr rtlCol="0" anchor="ctr"/>
+          <a:lstStyle/>
+          <a:p>
+            <a:pPr algn="ctr"/>
+            <a:r>
+              <a:rPr lang="en-US" altLang="ko-KR" sz="1200" dirty="0" err="1">
+                <a:solidFill>
+                  <a:schemeClr val="tx1"/>
+                </a:solidFill>
+              </a:rPr>
+              <a:t>MiddleEndAttack</a:t>
+            </a:r>
+            <a:endParaRPr lang="ko-KR" altLang="en-US" sz="1200" dirty="0">
+              <a:solidFill>
+                <a:schemeClr val="tx1"/>
+              </a:solidFill>
+            </a:endParaRPr>
+          </a:p>
+        </p:txBody>
+      </p:sp>
+      <p:sp>
+        <p:nvSpPr>
+          <p:cNvPr id="71" name="직사각형 70">
+            <a:extLst>
+              <a:ext uri="{FF2B5EF4-FFF2-40B4-BE49-F238E27FC236}">
+                <a16:creationId xmlns:a16="http://schemas.microsoft.com/office/drawing/2014/main" id="{19B7C102-3749-6EA4-1786-39BB7446C156}"/>
+              </a:ext>
+            </a:extLst>
+          </p:cNvPr>
+          <p:cNvSpPr/>
+          <p:nvPr/>
+        </p:nvSpPr>
+        <p:spPr>
+          <a:xfrm>
+            <a:off x="404192" y="5037299"/>
+            <a:ext cx="1028700" cy="447261"/>
+          </a:xfrm>
+          <a:prstGeom prst="rect">
+            <a:avLst/>
+          </a:prstGeom>
+          <a:solidFill>
+            <a:schemeClr val="tx2">
+              <a:lumMod val="25000"/>
+              <a:lumOff val="75000"/>
+            </a:schemeClr>
+          </a:solidFill>
+        </p:spPr>
+        <p:style>
+          <a:lnRef idx="2">
+            <a:schemeClr val="accent1">
+              <a:shade val="15000"/>
+            </a:schemeClr>
+          </a:lnRef>
+          <a:fillRef idx="1">
+            <a:schemeClr val="accent1"/>
+          </a:fillRef>
+          <a:effectRef idx="0">
+            <a:schemeClr val="accent1"/>
+          </a:effectRef>
+          <a:fontRef idx="minor">
+            <a:schemeClr val="lt1"/>
+          </a:fontRef>
+        </p:style>
+        <p:txBody>
+          <a:bodyPr rtlCol="0" anchor="ctr"/>
+          <a:lstStyle/>
+          <a:p>
+            <a:pPr algn="ctr"/>
+            <a:r>
+              <a:rPr lang="en-US" altLang="ko-KR" sz="1200" dirty="0" err="1">
+                <a:solidFill>
+                  <a:schemeClr val="tx1"/>
+                </a:solidFill>
+              </a:rPr>
+              <a:t>EndAttack</a:t>
+            </a:r>
+            <a:endParaRPr lang="ko-KR" altLang="en-US" sz="1200" dirty="0">
+              <a:solidFill>
+                <a:schemeClr val="tx1"/>
+              </a:solidFill>
+            </a:endParaRPr>
+          </a:p>
+        </p:txBody>
+      </p:sp>
+      <p:cxnSp>
+        <p:nvCxnSpPr>
+          <p:cNvPr id="73" name="직선 화살표 연결선 72">
+            <a:extLst>
+              <a:ext uri="{FF2B5EF4-FFF2-40B4-BE49-F238E27FC236}">
+                <a16:creationId xmlns:a16="http://schemas.microsoft.com/office/drawing/2014/main" id="{920AE3AE-85D7-A03C-A457-7EBDFA3F6F9B}"/>
+              </a:ext>
+            </a:extLst>
+          </p:cNvPr>
+          <p:cNvCxnSpPr>
+            <a:cxnSpLocks/>
+            <a:stCxn id="67" idx="2"/>
+            <a:endCxn id="68" idx="0"/>
+          </p:cNvCxnSpPr>
+          <p:nvPr/>
+        </p:nvCxnSpPr>
+        <p:spPr>
+          <a:xfrm>
+            <a:off x="918541" y="2001439"/>
+            <a:ext cx="0" cy="423519"/>
+          </a:xfrm>
+          <a:prstGeom prst="straightConnector1">
+            <a:avLst/>
+          </a:prstGeom>
+          <a:ln>
+            <a:solidFill>
+              <a:schemeClr val="bg2"/>
+            </a:solidFill>
+            <a:tailEnd type="triangle"/>
+          </a:ln>
+        </p:spPr>
+        <p:style>
+          <a:lnRef idx="2">
+            <a:schemeClr val="accent1"/>
+          </a:lnRef>
+          <a:fillRef idx="0">
+            <a:schemeClr val="accent1"/>
+          </a:fillRef>
+          <a:effectRef idx="1">
+            <a:schemeClr val="accent1"/>
+          </a:effectRef>
+          <a:fontRef idx="minor">
+            <a:schemeClr val="tx1"/>
+          </a:fontRef>
+        </p:style>
+      </p:cxnSp>
+      <p:cxnSp>
+        <p:nvCxnSpPr>
+          <p:cNvPr id="76" name="직선 화살표 연결선 75">
+            <a:extLst>
+              <a:ext uri="{FF2B5EF4-FFF2-40B4-BE49-F238E27FC236}">
+                <a16:creationId xmlns:a16="http://schemas.microsoft.com/office/drawing/2014/main" id="{A06CD4F6-8A85-7C9F-6D7A-83F6E8C9A280}"/>
+              </a:ext>
+            </a:extLst>
+          </p:cNvPr>
+          <p:cNvCxnSpPr>
+            <a:cxnSpLocks/>
+          </p:cNvCxnSpPr>
+          <p:nvPr/>
+        </p:nvCxnSpPr>
+        <p:spPr>
+          <a:xfrm>
+            <a:off x="918541" y="2872219"/>
+            <a:ext cx="0" cy="423519"/>
+          </a:xfrm>
+          <a:prstGeom prst="straightConnector1">
+            <a:avLst/>
+          </a:prstGeom>
+          <a:ln>
+            <a:solidFill>
+              <a:schemeClr val="bg2"/>
+            </a:solidFill>
+            <a:tailEnd type="triangle"/>
+          </a:ln>
+        </p:spPr>
+        <p:style>
+          <a:lnRef idx="2">
+            <a:schemeClr val="accent1"/>
+          </a:lnRef>
+          <a:fillRef idx="0">
+            <a:schemeClr val="accent1"/>
+          </a:fillRef>
+          <a:effectRef idx="1">
+            <a:schemeClr val="accent1"/>
+          </a:effectRef>
+          <a:fontRef idx="minor">
+            <a:schemeClr val="tx1"/>
+          </a:fontRef>
+        </p:style>
+      </p:cxnSp>
+      <p:cxnSp>
+        <p:nvCxnSpPr>
+          <p:cNvPr id="77" name="직선 화살표 연결선 76">
+            <a:extLst>
+              <a:ext uri="{FF2B5EF4-FFF2-40B4-BE49-F238E27FC236}">
+                <a16:creationId xmlns:a16="http://schemas.microsoft.com/office/drawing/2014/main" id="{12D1BF9F-120C-4816-5525-4AC6560D651F}"/>
+              </a:ext>
+            </a:extLst>
+          </p:cNvPr>
+          <p:cNvCxnSpPr>
+            <a:cxnSpLocks/>
+          </p:cNvCxnSpPr>
+          <p:nvPr/>
+        </p:nvCxnSpPr>
+        <p:spPr>
+          <a:xfrm>
+            <a:off x="918541" y="3736558"/>
+            <a:ext cx="0" cy="423519"/>
+          </a:xfrm>
+          <a:prstGeom prst="straightConnector1">
+            <a:avLst/>
+          </a:prstGeom>
+          <a:ln>
+            <a:solidFill>
+              <a:schemeClr val="bg2"/>
+            </a:solidFill>
+            <a:tailEnd type="triangle"/>
+          </a:ln>
+        </p:spPr>
+        <p:style>
+          <a:lnRef idx="2">
+            <a:schemeClr val="accent1"/>
+          </a:lnRef>
+          <a:fillRef idx="0">
+            <a:schemeClr val="accent1"/>
+          </a:fillRef>
+          <a:effectRef idx="1">
+            <a:schemeClr val="accent1"/>
+          </a:effectRef>
+          <a:fontRef idx="minor">
+            <a:schemeClr val="tx1"/>
+          </a:fontRef>
+        </p:style>
+      </p:cxnSp>
+      <p:cxnSp>
+        <p:nvCxnSpPr>
+          <p:cNvPr id="78" name="직선 화살표 연결선 77">
+            <a:extLst>
+              <a:ext uri="{FF2B5EF4-FFF2-40B4-BE49-F238E27FC236}">
+                <a16:creationId xmlns:a16="http://schemas.microsoft.com/office/drawing/2014/main" id="{DADE6770-E891-A2E1-5C9D-80AF39130CFF}"/>
+              </a:ext>
+            </a:extLst>
+          </p:cNvPr>
+          <p:cNvCxnSpPr>
+            <a:cxnSpLocks/>
+          </p:cNvCxnSpPr>
+          <p:nvPr/>
+        </p:nvCxnSpPr>
+        <p:spPr>
+          <a:xfrm>
+            <a:off x="916056" y="4615367"/>
+            <a:ext cx="0" cy="423519"/>
+          </a:xfrm>
+          <a:prstGeom prst="straightConnector1">
+            <a:avLst/>
+          </a:prstGeom>
+          <a:ln>
+            <a:solidFill>
+              <a:schemeClr val="bg2"/>
+            </a:solidFill>
+            <a:tailEnd type="triangle"/>
+          </a:ln>
+        </p:spPr>
+        <p:style>
+          <a:lnRef idx="2">
+            <a:schemeClr val="accent1"/>
+          </a:lnRef>
+          <a:fillRef idx="0">
+            <a:schemeClr val="accent1"/>
+          </a:fillRef>
+          <a:effectRef idx="1">
+            <a:schemeClr val="accent1"/>
+          </a:effectRef>
+          <a:fontRef idx="minor">
+            <a:schemeClr val="tx1"/>
+          </a:fontRef>
+        </p:style>
+      </p:cxnSp>
+      <p:cxnSp>
+        <p:nvCxnSpPr>
+          <p:cNvPr id="79" name="연결선: 꺾임 78">
+            <a:extLst>
+              <a:ext uri="{FF2B5EF4-FFF2-40B4-BE49-F238E27FC236}">
+                <a16:creationId xmlns:a16="http://schemas.microsoft.com/office/drawing/2014/main" id="{1EA6478A-223C-B896-6D9D-CAA8EBFB78FE}"/>
+              </a:ext>
+            </a:extLst>
+          </p:cNvPr>
+          <p:cNvCxnSpPr>
+            <a:cxnSpLocks/>
+            <a:stCxn id="71" idx="3"/>
+          </p:cNvCxnSpPr>
+          <p:nvPr/>
+        </p:nvCxnSpPr>
+        <p:spPr>
+          <a:xfrm flipH="1" flipV="1">
+            <a:off x="1427920" y="1762769"/>
+            <a:ext cx="4972" cy="3498161"/>
+          </a:xfrm>
+          <a:prstGeom prst="bentConnector4">
+            <a:avLst>
+              <a:gd name="adj1" fmla="val -29585519"/>
+              <a:gd name="adj2" fmla="val 100076"/>
+            </a:avLst>
+          </a:prstGeom>
+          <a:ln>
+            <a:solidFill>
+              <a:schemeClr val="bg2"/>
+            </a:solidFill>
+            <a:tailEnd type="triangle"/>
+          </a:ln>
+        </p:spPr>
+        <p:style>
+          <a:lnRef idx="2">
+            <a:schemeClr val="accent1"/>
+          </a:lnRef>
+          <a:fillRef idx="0">
+            <a:schemeClr val="accent1"/>
+          </a:fillRef>
+          <a:effectRef idx="1">
+            <a:schemeClr val="accent1"/>
+          </a:effectRef>
+          <a:fontRef idx="minor">
+            <a:schemeClr val="tx1"/>
+          </a:fontRef>
+        </p:style>
+      </p:cxnSp>
+      <p:cxnSp>
+        <p:nvCxnSpPr>
+          <p:cNvPr id="84" name="직선 화살표 연결선 83">
+            <a:extLst>
+              <a:ext uri="{FF2B5EF4-FFF2-40B4-BE49-F238E27FC236}">
+                <a16:creationId xmlns:a16="http://schemas.microsoft.com/office/drawing/2014/main" id="{48DD14BA-E13F-5E26-F3E9-C824369E5665}"/>
+              </a:ext>
+            </a:extLst>
+          </p:cNvPr>
+          <p:cNvCxnSpPr>
+            <a:cxnSpLocks/>
+          </p:cNvCxnSpPr>
+          <p:nvPr/>
+        </p:nvCxnSpPr>
+        <p:spPr>
+          <a:xfrm>
+            <a:off x="1427920" y="4390148"/>
+            <a:ext cx="1498739" cy="0"/>
+          </a:xfrm>
+          <a:prstGeom prst="straightConnector1">
+            <a:avLst/>
+          </a:prstGeom>
+          <a:ln>
+            <a:solidFill>
+              <a:schemeClr val="bg2"/>
+            </a:solidFill>
+            <a:tailEnd type="triangle"/>
+          </a:ln>
+        </p:spPr>
+        <p:style>
+          <a:lnRef idx="2">
+            <a:schemeClr val="accent1"/>
+          </a:lnRef>
+          <a:fillRef idx="0">
+            <a:schemeClr val="accent1"/>
+          </a:fillRef>
+          <a:effectRef idx="1">
+            <a:schemeClr val="accent1"/>
+          </a:effectRef>
+          <a:fontRef idx="minor">
+            <a:schemeClr val="tx1"/>
+          </a:fontRef>
+        </p:style>
+      </p:cxnSp>
+      <p:cxnSp>
+        <p:nvCxnSpPr>
+          <p:cNvPr id="87" name="직선 화살표 연결선 86">
+            <a:extLst>
+              <a:ext uri="{FF2B5EF4-FFF2-40B4-BE49-F238E27FC236}">
+                <a16:creationId xmlns:a16="http://schemas.microsoft.com/office/drawing/2014/main" id="{2D0E1BAB-4C27-DCA0-E6F3-B5809EFACCC8}"/>
+              </a:ext>
+            </a:extLst>
+          </p:cNvPr>
+          <p:cNvCxnSpPr>
+            <a:cxnSpLocks/>
+          </p:cNvCxnSpPr>
+          <p:nvPr/>
+        </p:nvCxnSpPr>
+        <p:spPr>
+          <a:xfrm>
+            <a:off x="1427919" y="3521949"/>
+            <a:ext cx="1498739" cy="0"/>
+          </a:xfrm>
+          <a:prstGeom prst="straightConnector1">
+            <a:avLst/>
+          </a:prstGeom>
+          <a:ln>
+            <a:solidFill>
+              <a:schemeClr val="bg2"/>
+            </a:solidFill>
+            <a:tailEnd type="triangle"/>
+          </a:ln>
+        </p:spPr>
+        <p:style>
+          <a:lnRef idx="2">
+            <a:schemeClr val="accent1"/>
+          </a:lnRef>
+          <a:fillRef idx="0">
+            <a:schemeClr val="accent1"/>
+          </a:fillRef>
+          <a:effectRef idx="1">
+            <a:schemeClr val="accent1"/>
+          </a:effectRef>
+          <a:fontRef idx="minor">
+            <a:schemeClr val="tx1"/>
+          </a:fontRef>
+        </p:style>
+      </p:cxnSp>
+      <p:cxnSp>
+        <p:nvCxnSpPr>
+          <p:cNvPr id="88" name="직선 화살표 연결선 87">
+            <a:extLst>
+              <a:ext uri="{FF2B5EF4-FFF2-40B4-BE49-F238E27FC236}">
+                <a16:creationId xmlns:a16="http://schemas.microsoft.com/office/drawing/2014/main" id="{E93A04DA-8040-C5A9-F95F-7EB094F258C6}"/>
+              </a:ext>
+            </a:extLst>
+          </p:cNvPr>
+          <p:cNvCxnSpPr>
+            <a:cxnSpLocks/>
+          </p:cNvCxnSpPr>
+          <p:nvPr/>
+        </p:nvCxnSpPr>
+        <p:spPr>
+          <a:xfrm>
+            <a:off x="1427918" y="2653750"/>
+            <a:ext cx="1498739" cy="0"/>
+          </a:xfrm>
+          <a:prstGeom prst="straightConnector1">
+            <a:avLst/>
+          </a:prstGeom>
+          <a:ln>
+            <a:solidFill>
+              <a:schemeClr val="bg2"/>
+            </a:solidFill>
+            <a:tailEnd type="triangle"/>
+          </a:ln>
+        </p:spPr>
+        <p:style>
+          <a:lnRef idx="2">
+            <a:schemeClr val="accent1"/>
+          </a:lnRef>
+          <a:fillRef idx="0">
+            <a:schemeClr val="accent1"/>
+          </a:fillRef>
+          <a:effectRef idx="1">
+            <a:schemeClr val="accent1"/>
+          </a:effectRef>
+          <a:fontRef idx="minor">
+            <a:schemeClr val="tx1"/>
+          </a:fontRef>
+        </p:style>
+      </p:cxnSp>
+      <p:sp>
+        <p:nvSpPr>
+          <p:cNvPr id="89" name="TextBox 88">
+            <a:extLst>
+              <a:ext uri="{FF2B5EF4-FFF2-40B4-BE49-F238E27FC236}">
+                <a16:creationId xmlns:a16="http://schemas.microsoft.com/office/drawing/2014/main" id="{28236796-6FBD-F6BC-DE39-24E623C47513}"/>
+              </a:ext>
+            </a:extLst>
+          </p:cNvPr>
+          <p:cNvSpPr txBox="1"/>
+          <p:nvPr/>
+        </p:nvSpPr>
+        <p:spPr>
+          <a:xfrm>
+            <a:off x="9952383" y="27782"/>
+            <a:ext cx="2042491" cy="369332"/>
+          </a:xfrm>
+          <a:prstGeom prst="rect">
+            <a:avLst/>
+          </a:prstGeom>
+          <a:noFill/>
+        </p:spPr>
+        <p:txBody>
+          <a:bodyPr wrap="square" rtlCol="0">
+            <a:spAutoFit/>
+          </a:bodyPr>
+          <a:lstStyle/>
+          <a:p>
+            <a:r>
+              <a:rPr lang="ko-KR" altLang="en-US"/>
+              <a:t>작업날짜 및 내용</a:t>
+            </a:r>
+          </a:p>
+        </p:txBody>
+      </p:sp>
+      <p:cxnSp>
+        <p:nvCxnSpPr>
+          <p:cNvPr id="92" name="연결선: 꺾임 91">
+            <a:extLst>
+              <a:ext uri="{FF2B5EF4-FFF2-40B4-BE49-F238E27FC236}">
+                <a16:creationId xmlns:a16="http://schemas.microsoft.com/office/drawing/2014/main" id="{89A14818-4F4C-81FB-594E-6B8D8DB30765}"/>
+              </a:ext>
+            </a:extLst>
+          </p:cNvPr>
+          <p:cNvCxnSpPr>
+            <a:cxnSpLocks/>
+            <a:stCxn id="5" idx="2"/>
+            <a:endCxn id="24" idx="1"/>
+          </p:cNvCxnSpPr>
+          <p:nvPr/>
+        </p:nvCxnSpPr>
+        <p:spPr>
+          <a:xfrm rot="16200000" flipH="1">
+            <a:off x="5433391" y="2140587"/>
+            <a:ext cx="606287" cy="775251"/>
+          </a:xfrm>
+          <a:prstGeom prst="bentConnector2">
+            <a:avLst/>
+          </a:prstGeom>
+          <a:ln>
+            <a:solidFill>
+              <a:schemeClr val="bg1"/>
+            </a:solidFill>
+            <a:tailEnd type="triangle"/>
+          </a:ln>
+        </p:spPr>
+        <p:style>
+          <a:lnRef idx="2">
+            <a:schemeClr val="accent1"/>
+          </a:lnRef>
+          <a:fillRef idx="0">
+            <a:schemeClr val="accent1"/>
+          </a:fillRef>
+          <a:effectRef idx="1">
+            <a:schemeClr val="accent1"/>
+          </a:effectRef>
+          <a:fontRef idx="minor">
+            <a:schemeClr val="tx1"/>
+          </a:fontRef>
+        </p:style>
+      </p:cxnSp>
+      <p:grpSp>
+        <p:nvGrpSpPr>
+          <p:cNvPr id="21" name="그룹 20">
+            <a:extLst>
+              <a:ext uri="{FF2B5EF4-FFF2-40B4-BE49-F238E27FC236}">
+                <a16:creationId xmlns:a16="http://schemas.microsoft.com/office/drawing/2014/main" id="{DA3D2D2E-3976-6214-B562-E77027EBCDC8}"/>
+              </a:ext>
+            </a:extLst>
+          </p:cNvPr>
+          <p:cNvGrpSpPr/>
+          <p:nvPr/>
+        </p:nvGrpSpPr>
+        <p:grpSpPr>
+          <a:xfrm>
+            <a:off x="10013674" y="1827448"/>
+            <a:ext cx="1580320" cy="382945"/>
+            <a:chOff x="10013674" y="1827448"/>
+            <a:chExt cx="1580320" cy="382945"/>
+          </a:xfrm>
+        </p:grpSpPr>
+        <p:sp>
+          <p:nvSpPr>
+            <p:cNvPr id="18" name="TextBox 17">
+              <a:extLst>
+                <a:ext uri="{FF2B5EF4-FFF2-40B4-BE49-F238E27FC236}">
+                  <a16:creationId xmlns:a16="http://schemas.microsoft.com/office/drawing/2014/main" id="{5D6B025E-4E31-426A-631F-40075B9B74FF}"/>
+                </a:ext>
+              </a:extLst>
+            </p:cNvPr>
+            <p:cNvSpPr txBox="1"/>
+            <p:nvPr/>
+          </p:nvSpPr>
+          <p:spPr>
+            <a:xfrm>
+              <a:off x="10013674" y="1827448"/>
+              <a:ext cx="1262270" cy="369332"/>
+            </a:xfrm>
+            <a:prstGeom prst="rect">
+              <a:avLst/>
+            </a:prstGeom>
+            <a:noFill/>
+          </p:spPr>
+          <p:txBody>
+            <a:bodyPr wrap="square" rtlCol="0">
+              <a:spAutoFit/>
+            </a:bodyPr>
+            <a:lstStyle/>
+            <a:p>
+              <a:r>
+                <a:rPr lang="en-US" altLang="ko-KR" dirty="0"/>
+                <a:t>1.2</a:t>
+              </a:r>
+              <a:endParaRPr lang="ko-KR" altLang="en-US" dirty="0"/>
+            </a:p>
+          </p:txBody>
+        </p:sp>
+        <p:sp>
+          <p:nvSpPr>
+            <p:cNvPr id="19" name="TextBox 18">
+              <a:extLst>
+                <a:ext uri="{FF2B5EF4-FFF2-40B4-BE49-F238E27FC236}">
+                  <a16:creationId xmlns:a16="http://schemas.microsoft.com/office/drawing/2014/main" id="{C6AE881C-024E-E4FC-2876-CC5D2DFB31E5}"/>
+                </a:ext>
+              </a:extLst>
+            </p:cNvPr>
+            <p:cNvSpPr txBox="1"/>
+            <p:nvPr/>
+          </p:nvSpPr>
+          <p:spPr>
+            <a:xfrm>
+              <a:off x="10791410" y="1841061"/>
+              <a:ext cx="802584" cy="369332"/>
+            </a:xfrm>
+            <a:prstGeom prst="rect">
+              <a:avLst/>
+            </a:prstGeom>
+            <a:noFill/>
+          </p:spPr>
+          <p:txBody>
+            <a:bodyPr wrap="square" rtlCol="0">
+              <a:spAutoFit/>
+            </a:bodyPr>
+            <a:lstStyle/>
+            <a:p>
+              <a:r>
+                <a:rPr lang="en-US" altLang="ko-KR" dirty="0" err="1"/>
+                <a:t>anim</a:t>
+              </a:r>
+              <a:endParaRPr lang="ko-KR" altLang="en-US" dirty="0"/>
+            </a:p>
+          </p:txBody>
+        </p:sp>
+      </p:grpSp>
+      <p:sp>
+        <p:nvSpPr>
+          <p:cNvPr id="23" name="TextBox 22">
+            <a:extLst>
+              <a:ext uri="{FF2B5EF4-FFF2-40B4-BE49-F238E27FC236}">
+                <a16:creationId xmlns:a16="http://schemas.microsoft.com/office/drawing/2014/main" id="{2879AF46-04C0-4429-CEFA-B205807A4F14}"/>
+              </a:ext>
+            </a:extLst>
+          </p:cNvPr>
+          <p:cNvSpPr txBox="1"/>
+          <p:nvPr/>
+        </p:nvSpPr>
+        <p:spPr>
+          <a:xfrm>
+            <a:off x="4116873" y="2134000"/>
+            <a:ext cx="600902" cy="276999"/>
+          </a:xfrm>
+          <a:prstGeom prst="rect">
+            <a:avLst/>
+          </a:prstGeom>
+          <a:noFill/>
+        </p:spPr>
+        <p:txBody>
+          <a:bodyPr wrap="square" rtlCol="0">
+            <a:spAutoFit/>
+          </a:bodyPr>
+          <a:lstStyle/>
+          <a:p>
+            <a:r>
+              <a:rPr lang="en-US" altLang="ko-KR" sz="1200" dirty="0" err="1">
+                <a:solidFill>
+                  <a:schemeClr val="bg1">
+                    <a:lumMod val="95000"/>
+                  </a:schemeClr>
+                </a:solidFill>
+              </a:rPr>
+              <a:t>anim</a:t>
+            </a:r>
+            <a:endParaRPr lang="ko-KR" altLang="en-US" sz="1200" dirty="0">
+              <a:solidFill>
+                <a:schemeClr val="bg1">
+                  <a:lumMod val="95000"/>
+                </a:schemeClr>
+              </a:solidFill>
+            </a:endParaRPr>
+          </a:p>
+        </p:txBody>
+      </p:sp>
+      <p:sp>
+        <p:nvSpPr>
+          <p:cNvPr id="30" name="TextBox 29">
+            <a:extLst>
+              <a:ext uri="{FF2B5EF4-FFF2-40B4-BE49-F238E27FC236}">
+                <a16:creationId xmlns:a16="http://schemas.microsoft.com/office/drawing/2014/main" id="{0E24AE4F-E226-7867-3533-67046609D958}"/>
+              </a:ext>
+            </a:extLst>
+          </p:cNvPr>
+          <p:cNvSpPr txBox="1"/>
+          <p:nvPr/>
+        </p:nvSpPr>
+        <p:spPr>
+          <a:xfrm>
+            <a:off x="5391359" y="2167075"/>
+            <a:ext cx="600902" cy="276999"/>
+          </a:xfrm>
+          <a:prstGeom prst="rect">
+            <a:avLst/>
+          </a:prstGeom>
+          <a:noFill/>
+        </p:spPr>
+        <p:txBody>
+          <a:bodyPr wrap="square" rtlCol="0">
+            <a:spAutoFit/>
+          </a:bodyPr>
+          <a:lstStyle/>
+          <a:p>
+            <a:r>
+              <a:rPr lang="en-US" altLang="ko-KR" sz="1200" dirty="0" err="1">
+                <a:solidFill>
+                  <a:schemeClr val="bg1">
+                    <a:lumMod val="95000"/>
+                  </a:schemeClr>
+                </a:solidFill>
+              </a:rPr>
+              <a:t>anim</a:t>
+            </a:r>
+            <a:endParaRPr lang="ko-KR" altLang="en-US" sz="1200" dirty="0">
+              <a:solidFill>
+                <a:schemeClr val="bg1">
+                  <a:lumMod val="95000"/>
+                </a:schemeClr>
+              </a:solidFill>
+            </a:endParaRPr>
+          </a:p>
+        </p:txBody>
+      </p:sp>
+      <p:sp>
+        <p:nvSpPr>
+          <p:cNvPr id="31" name="TextBox 30">
+            <a:extLst>
+              <a:ext uri="{FF2B5EF4-FFF2-40B4-BE49-F238E27FC236}">
+                <a16:creationId xmlns:a16="http://schemas.microsoft.com/office/drawing/2014/main" id="{309280ED-1936-29AE-C3C4-C6B93CCE58B1}"/>
+              </a:ext>
+            </a:extLst>
+          </p:cNvPr>
+          <p:cNvSpPr txBox="1"/>
+          <p:nvPr/>
+        </p:nvSpPr>
+        <p:spPr>
+          <a:xfrm>
+            <a:off x="7074799" y="2504705"/>
+            <a:ext cx="600902" cy="276999"/>
+          </a:xfrm>
+          <a:prstGeom prst="rect">
+            <a:avLst/>
+          </a:prstGeom>
+          <a:noFill/>
+        </p:spPr>
+        <p:txBody>
+          <a:bodyPr wrap="square" rtlCol="0">
+            <a:spAutoFit/>
+          </a:bodyPr>
+          <a:lstStyle/>
+          <a:p>
+            <a:r>
+              <a:rPr lang="en-US" altLang="ko-KR" sz="1200" dirty="0" err="1">
+                <a:solidFill>
+                  <a:schemeClr val="bg1">
+                    <a:lumMod val="95000"/>
+                  </a:schemeClr>
+                </a:solidFill>
+              </a:rPr>
+              <a:t>anim</a:t>
+            </a:r>
+            <a:endParaRPr lang="ko-KR" altLang="en-US" sz="1200" dirty="0">
+              <a:solidFill>
+                <a:schemeClr val="bg1">
+                  <a:lumMod val="95000"/>
+                </a:schemeClr>
+              </a:solidFill>
+            </a:endParaRPr>
+          </a:p>
+        </p:txBody>
+      </p:sp>
+      <p:sp>
+        <p:nvSpPr>
+          <p:cNvPr id="32" name="TextBox 31">
+            <a:extLst>
+              <a:ext uri="{FF2B5EF4-FFF2-40B4-BE49-F238E27FC236}">
+                <a16:creationId xmlns:a16="http://schemas.microsoft.com/office/drawing/2014/main" id="{0B6733A7-EC1A-70D8-E4FB-7AD4D58C85B5}"/>
+              </a:ext>
+            </a:extLst>
+          </p:cNvPr>
+          <p:cNvSpPr txBox="1"/>
+          <p:nvPr/>
+        </p:nvSpPr>
+        <p:spPr>
+          <a:xfrm>
+            <a:off x="7041253" y="3189341"/>
+            <a:ext cx="600902" cy="276999"/>
+          </a:xfrm>
+          <a:prstGeom prst="rect">
+            <a:avLst/>
+          </a:prstGeom>
+          <a:noFill/>
+        </p:spPr>
+        <p:txBody>
+          <a:bodyPr wrap="square" rtlCol="0">
+            <a:spAutoFit/>
+          </a:bodyPr>
+          <a:lstStyle/>
+          <a:p>
+            <a:r>
+              <a:rPr lang="en-US" altLang="ko-KR" sz="1200" dirty="0" err="1">
+                <a:solidFill>
+                  <a:schemeClr val="bg1">
+                    <a:lumMod val="95000"/>
+                  </a:schemeClr>
+                </a:solidFill>
+              </a:rPr>
+              <a:t>anim</a:t>
+            </a:r>
+            <a:endParaRPr lang="ko-KR" altLang="en-US" sz="1200" dirty="0">
+              <a:solidFill>
+                <a:schemeClr val="bg1">
+                  <a:lumMod val="95000"/>
+                </a:schemeClr>
+              </a:solidFill>
+            </a:endParaRPr>
+          </a:p>
+        </p:txBody>
+      </p:sp>
+      <p:sp>
+        <p:nvSpPr>
+          <p:cNvPr id="36" name="TextBox 35">
+            <a:extLst>
+              <a:ext uri="{FF2B5EF4-FFF2-40B4-BE49-F238E27FC236}">
+                <a16:creationId xmlns:a16="http://schemas.microsoft.com/office/drawing/2014/main" id="{DF8743F7-4B01-4A05-01AA-F6AC96FFFD99}"/>
+              </a:ext>
+            </a:extLst>
+          </p:cNvPr>
+          <p:cNvSpPr txBox="1"/>
+          <p:nvPr/>
+        </p:nvSpPr>
+        <p:spPr>
+          <a:xfrm>
+            <a:off x="7010607" y="3863774"/>
+            <a:ext cx="600902" cy="276999"/>
+          </a:xfrm>
+          <a:prstGeom prst="rect">
+            <a:avLst/>
+          </a:prstGeom>
+          <a:noFill/>
+        </p:spPr>
+        <p:txBody>
+          <a:bodyPr wrap="square" rtlCol="0">
+            <a:spAutoFit/>
+          </a:bodyPr>
+          <a:lstStyle/>
+          <a:p>
+            <a:r>
+              <a:rPr lang="en-US" altLang="ko-KR" sz="1200" dirty="0" err="1">
+                <a:solidFill>
+                  <a:schemeClr val="bg1">
+                    <a:lumMod val="95000"/>
+                  </a:schemeClr>
+                </a:solidFill>
+              </a:rPr>
+              <a:t>anim</a:t>
+            </a:r>
+            <a:endParaRPr lang="ko-KR" altLang="en-US" sz="1200" dirty="0">
+              <a:solidFill>
+                <a:schemeClr val="bg1">
+                  <a:lumMod val="95000"/>
+                </a:schemeClr>
+              </a:solidFill>
+            </a:endParaRPr>
+          </a:p>
+        </p:txBody>
+      </p:sp>
+      <p:sp>
+        <p:nvSpPr>
+          <p:cNvPr id="37" name="TextBox 36">
+            <a:extLst>
+              <a:ext uri="{FF2B5EF4-FFF2-40B4-BE49-F238E27FC236}">
+                <a16:creationId xmlns:a16="http://schemas.microsoft.com/office/drawing/2014/main" id="{57E4FF98-0A3C-4B71-E272-ABB9F1EBC874}"/>
+              </a:ext>
+            </a:extLst>
+          </p:cNvPr>
+          <p:cNvSpPr txBox="1"/>
+          <p:nvPr/>
+        </p:nvSpPr>
+        <p:spPr>
+          <a:xfrm>
+            <a:off x="7041253" y="4676569"/>
+            <a:ext cx="600902" cy="276999"/>
+          </a:xfrm>
+          <a:prstGeom prst="rect">
+            <a:avLst/>
+          </a:prstGeom>
+          <a:noFill/>
+        </p:spPr>
+        <p:txBody>
+          <a:bodyPr wrap="square" rtlCol="0">
+            <a:spAutoFit/>
+          </a:bodyPr>
+          <a:lstStyle/>
+          <a:p>
+            <a:r>
+              <a:rPr lang="en-US" altLang="ko-KR" sz="1200" dirty="0" err="1">
+                <a:solidFill>
+                  <a:schemeClr val="bg1">
+                    <a:lumMod val="95000"/>
+                  </a:schemeClr>
+                </a:solidFill>
+              </a:rPr>
+              <a:t>anim</a:t>
+            </a:r>
+            <a:endParaRPr lang="ko-KR" altLang="en-US" sz="1200" dirty="0">
+              <a:solidFill>
+                <a:schemeClr val="bg1">
+                  <a:lumMod val="95000"/>
+                </a:schemeClr>
+              </a:solidFill>
+            </a:endParaRPr>
+          </a:p>
+        </p:txBody>
+      </p:sp>
+      <p:sp>
+        <p:nvSpPr>
+          <p:cNvPr id="38" name="TextBox 37">
+            <a:extLst>
+              <a:ext uri="{FF2B5EF4-FFF2-40B4-BE49-F238E27FC236}">
+                <a16:creationId xmlns:a16="http://schemas.microsoft.com/office/drawing/2014/main" id="{0EC9BA83-8D24-DF1D-D2BD-CD248DAB065B}"/>
+              </a:ext>
+            </a:extLst>
+          </p:cNvPr>
+          <p:cNvSpPr txBox="1"/>
+          <p:nvPr/>
+        </p:nvSpPr>
+        <p:spPr>
+          <a:xfrm>
+            <a:off x="7041253" y="5244650"/>
+            <a:ext cx="600902" cy="276999"/>
+          </a:xfrm>
+          <a:prstGeom prst="rect">
+            <a:avLst/>
+          </a:prstGeom>
+          <a:noFill/>
+        </p:spPr>
+        <p:txBody>
+          <a:bodyPr wrap="square" rtlCol="0">
+            <a:spAutoFit/>
+          </a:bodyPr>
+          <a:lstStyle/>
+          <a:p>
+            <a:r>
+              <a:rPr lang="en-US" altLang="ko-KR" sz="1200" dirty="0" err="1">
+                <a:solidFill>
+                  <a:schemeClr val="bg1">
+                    <a:lumMod val="95000"/>
+                  </a:schemeClr>
+                </a:solidFill>
+              </a:rPr>
+              <a:t>anim</a:t>
+            </a:r>
+            <a:endParaRPr lang="ko-KR" altLang="en-US" sz="1200" dirty="0">
+              <a:solidFill>
+                <a:schemeClr val="bg1">
+                  <a:lumMod val="95000"/>
+                </a:schemeClr>
+              </a:solidFill>
+            </a:endParaRPr>
+          </a:p>
+        </p:txBody>
+      </p:sp>
+      <p:sp>
+        <p:nvSpPr>
+          <p:cNvPr id="41" name="TextBox 40">
+            <a:extLst>
+              <a:ext uri="{FF2B5EF4-FFF2-40B4-BE49-F238E27FC236}">
+                <a16:creationId xmlns:a16="http://schemas.microsoft.com/office/drawing/2014/main" id="{B59F92B9-2B1A-11C6-2EF0-3FD2F144B327}"/>
+              </a:ext>
+            </a:extLst>
+          </p:cNvPr>
+          <p:cNvSpPr txBox="1"/>
+          <p:nvPr/>
+        </p:nvSpPr>
+        <p:spPr>
+          <a:xfrm>
+            <a:off x="8412438" y="5717011"/>
+            <a:ext cx="600902" cy="276999"/>
+          </a:xfrm>
+          <a:prstGeom prst="rect">
+            <a:avLst/>
+          </a:prstGeom>
+          <a:noFill/>
+        </p:spPr>
+        <p:txBody>
+          <a:bodyPr wrap="square" rtlCol="0">
+            <a:spAutoFit/>
+          </a:bodyPr>
+          <a:lstStyle/>
+          <a:p>
+            <a:r>
+              <a:rPr lang="en-US" altLang="ko-KR" sz="1200" dirty="0" err="1">
+                <a:solidFill>
+                  <a:schemeClr val="bg1">
+                    <a:lumMod val="95000"/>
+                  </a:schemeClr>
+                </a:solidFill>
+              </a:rPr>
+              <a:t>anim</a:t>
+            </a:r>
+            <a:endParaRPr lang="ko-KR" altLang="en-US" sz="1200" dirty="0">
+              <a:solidFill>
+                <a:schemeClr val="bg1">
+                  <a:lumMod val="95000"/>
+                </a:schemeClr>
+              </a:solidFill>
+            </a:endParaRPr>
+          </a:p>
+        </p:txBody>
+      </p:sp>
+      <p:sp>
+        <p:nvSpPr>
+          <p:cNvPr id="45" name="TextBox 44">
+            <a:extLst>
+              <a:ext uri="{FF2B5EF4-FFF2-40B4-BE49-F238E27FC236}">
+                <a16:creationId xmlns:a16="http://schemas.microsoft.com/office/drawing/2014/main" id="{558BBF93-2E2B-D982-88CF-B5A36F246C88}"/>
+              </a:ext>
+            </a:extLst>
+          </p:cNvPr>
+          <p:cNvSpPr txBox="1"/>
+          <p:nvPr/>
+        </p:nvSpPr>
+        <p:spPr>
+          <a:xfrm>
+            <a:off x="8397736" y="3805023"/>
+            <a:ext cx="600902" cy="276999"/>
+          </a:xfrm>
+          <a:prstGeom prst="rect">
+            <a:avLst/>
+          </a:prstGeom>
+          <a:noFill/>
+        </p:spPr>
+        <p:txBody>
+          <a:bodyPr wrap="square" rtlCol="0">
+            <a:spAutoFit/>
+          </a:bodyPr>
+          <a:lstStyle/>
+          <a:p>
+            <a:r>
+              <a:rPr lang="en-US" altLang="ko-KR" sz="1200" dirty="0" err="1">
+                <a:solidFill>
+                  <a:schemeClr val="bg1">
+                    <a:lumMod val="95000"/>
+                  </a:schemeClr>
+                </a:solidFill>
+              </a:rPr>
+              <a:t>anim</a:t>
+            </a:r>
+            <a:endParaRPr lang="ko-KR" altLang="en-US" sz="1200" dirty="0">
+              <a:solidFill>
+                <a:schemeClr val="bg1">
+                  <a:lumMod val="95000"/>
+                </a:schemeClr>
+              </a:solidFill>
+            </a:endParaRPr>
+          </a:p>
+        </p:txBody>
+      </p:sp>
+      <p:sp>
+        <p:nvSpPr>
+          <p:cNvPr id="49" name="TextBox 48">
+            <a:extLst>
+              <a:ext uri="{FF2B5EF4-FFF2-40B4-BE49-F238E27FC236}">
+                <a16:creationId xmlns:a16="http://schemas.microsoft.com/office/drawing/2014/main" id="{AE51FBD0-D9D8-0183-29F2-3AFB2332572B}"/>
+              </a:ext>
+            </a:extLst>
+          </p:cNvPr>
+          <p:cNvSpPr txBox="1"/>
+          <p:nvPr/>
+        </p:nvSpPr>
+        <p:spPr>
+          <a:xfrm>
+            <a:off x="1427918" y="2385391"/>
+            <a:ext cx="600902" cy="276999"/>
+          </a:xfrm>
+          <a:prstGeom prst="rect">
+            <a:avLst/>
+          </a:prstGeom>
+          <a:noFill/>
+        </p:spPr>
+        <p:txBody>
+          <a:bodyPr wrap="square" rtlCol="0">
+            <a:spAutoFit/>
+          </a:bodyPr>
+          <a:lstStyle/>
+          <a:p>
+            <a:r>
+              <a:rPr lang="en-US" altLang="ko-KR" sz="1200" dirty="0" err="1">
+                <a:solidFill>
+                  <a:schemeClr val="bg1">
+                    <a:lumMod val="95000"/>
+                  </a:schemeClr>
+                </a:solidFill>
+              </a:rPr>
+              <a:t>anim</a:t>
+            </a:r>
+            <a:endParaRPr lang="ko-KR" altLang="en-US" sz="1200" dirty="0">
+              <a:solidFill>
+                <a:schemeClr val="bg1">
+                  <a:lumMod val="95000"/>
+                </a:schemeClr>
+              </a:solidFill>
+            </a:endParaRPr>
+          </a:p>
+        </p:txBody>
+      </p:sp>
+      <p:sp>
+        <p:nvSpPr>
+          <p:cNvPr id="54" name="TextBox 53">
+            <a:extLst>
+              <a:ext uri="{FF2B5EF4-FFF2-40B4-BE49-F238E27FC236}">
+                <a16:creationId xmlns:a16="http://schemas.microsoft.com/office/drawing/2014/main" id="{0BB20AF4-EB48-C4D1-66C3-E9A12C3F9225}"/>
+              </a:ext>
+            </a:extLst>
+          </p:cNvPr>
+          <p:cNvSpPr txBox="1"/>
+          <p:nvPr/>
+        </p:nvSpPr>
+        <p:spPr>
+          <a:xfrm>
+            <a:off x="1361041" y="3192988"/>
+            <a:ext cx="600902" cy="276999"/>
+          </a:xfrm>
+          <a:prstGeom prst="rect">
+            <a:avLst/>
+          </a:prstGeom>
+          <a:noFill/>
+        </p:spPr>
+        <p:txBody>
+          <a:bodyPr wrap="square" rtlCol="0">
+            <a:spAutoFit/>
+          </a:bodyPr>
+          <a:lstStyle/>
+          <a:p>
+            <a:r>
+              <a:rPr lang="en-US" altLang="ko-KR" sz="1200" dirty="0" err="1">
+                <a:solidFill>
+                  <a:schemeClr val="bg1">
+                    <a:lumMod val="95000"/>
+                  </a:schemeClr>
+                </a:solidFill>
+              </a:rPr>
+              <a:t>anim</a:t>
+            </a:r>
+            <a:endParaRPr lang="ko-KR" altLang="en-US" sz="1200" dirty="0">
+              <a:solidFill>
+                <a:schemeClr val="bg1">
+                  <a:lumMod val="95000"/>
+                </a:schemeClr>
+              </a:solidFill>
+            </a:endParaRPr>
+          </a:p>
+        </p:txBody>
+      </p:sp>
+      <p:sp>
+        <p:nvSpPr>
+          <p:cNvPr id="56" name="TextBox 55">
+            <a:extLst>
+              <a:ext uri="{FF2B5EF4-FFF2-40B4-BE49-F238E27FC236}">
+                <a16:creationId xmlns:a16="http://schemas.microsoft.com/office/drawing/2014/main" id="{BA0A17DC-906C-2141-8BB3-63F70B18C2DA}"/>
+              </a:ext>
+            </a:extLst>
+          </p:cNvPr>
+          <p:cNvSpPr txBox="1"/>
+          <p:nvPr/>
+        </p:nvSpPr>
+        <p:spPr>
+          <a:xfrm>
+            <a:off x="1388374" y="4953632"/>
+            <a:ext cx="600902" cy="276999"/>
+          </a:xfrm>
+          <a:prstGeom prst="rect">
+            <a:avLst/>
+          </a:prstGeom>
+          <a:noFill/>
+        </p:spPr>
+        <p:txBody>
+          <a:bodyPr wrap="square" rtlCol="0">
+            <a:spAutoFit/>
+          </a:bodyPr>
+          <a:lstStyle/>
+          <a:p>
+            <a:r>
+              <a:rPr lang="en-US" altLang="ko-KR" sz="1200" dirty="0" err="1">
+                <a:solidFill>
+                  <a:schemeClr val="bg1">
+                    <a:lumMod val="95000"/>
+                  </a:schemeClr>
+                </a:solidFill>
+              </a:rPr>
+              <a:t>anim</a:t>
+            </a:r>
+            <a:endParaRPr lang="ko-KR" altLang="en-US" sz="1200" dirty="0">
+              <a:solidFill>
+                <a:schemeClr val="bg1">
+                  <a:lumMod val="95000"/>
+                </a:schemeClr>
+              </a:solidFill>
+            </a:endParaRPr>
+          </a:p>
+        </p:txBody>
+      </p:sp>
+      <p:sp>
+        <p:nvSpPr>
+          <p:cNvPr id="57" name="TextBox 56">
+            <a:extLst>
+              <a:ext uri="{FF2B5EF4-FFF2-40B4-BE49-F238E27FC236}">
+                <a16:creationId xmlns:a16="http://schemas.microsoft.com/office/drawing/2014/main" id="{F42A5868-70D1-6741-452C-CE190BFBC42F}"/>
+              </a:ext>
+            </a:extLst>
+          </p:cNvPr>
+          <p:cNvSpPr txBox="1"/>
+          <p:nvPr/>
+        </p:nvSpPr>
+        <p:spPr>
+          <a:xfrm>
+            <a:off x="1373673" y="4068275"/>
+            <a:ext cx="600902" cy="276999"/>
+          </a:xfrm>
+          <a:prstGeom prst="rect">
+            <a:avLst/>
+          </a:prstGeom>
+          <a:noFill/>
+        </p:spPr>
+        <p:txBody>
+          <a:bodyPr wrap="square" rtlCol="0">
+            <a:spAutoFit/>
+          </a:bodyPr>
+          <a:lstStyle/>
+          <a:p>
+            <a:r>
+              <a:rPr lang="en-US" altLang="ko-KR" sz="1200" dirty="0" err="1">
+                <a:solidFill>
+                  <a:schemeClr val="bg1">
+                    <a:lumMod val="95000"/>
+                  </a:schemeClr>
+                </a:solidFill>
+              </a:rPr>
+              <a:t>anim</a:t>
+            </a:r>
+            <a:endParaRPr lang="ko-KR" altLang="en-US" sz="1200" dirty="0">
+              <a:solidFill>
+                <a:schemeClr val="bg1">
+                  <a:lumMod val="95000"/>
+                </a:schemeClr>
+              </a:solidFill>
+            </a:endParaRPr>
+          </a:p>
+        </p:txBody>
+      </p:sp>
     </p:spTree>
     <p:extLst>
       <p:ext uri="{BB962C8B-B14F-4D97-AF65-F5344CB8AC3E}">
